--- a/doc/intro_screen/colabppt.pptx
+++ b/doc/intro_screen/colabppt.pptx
@@ -12,7 +12,11 @@
     <p:sldId id="258" r:id="rId6"/>
     <p:sldId id="262" r:id="rId7"/>
     <p:sldId id="263" r:id="rId8"/>
-    <p:sldId id="264" r:id="rId9"/>
+    <p:sldId id="265" r:id="rId9"/>
+    <p:sldId id="268" r:id="rId10"/>
+    <p:sldId id="267" r:id="rId11"/>
+    <p:sldId id="266" r:id="rId12"/>
+    <p:sldId id="264" r:id="rId13"/>
   </p:sldIdLst>
   <p:sldSz cx="12192000" cy="6858000"/>
   <p:notesSz cx="6858000" cy="9144000"/>
@@ -3546,11 +3550,123 @@
       </p:sp>
       <p:sp>
         <p:nvSpPr>
-          <p:cNvPr id="8" name="Oval 7">
-            <a:hlinkClick r:id="" action="ppaction://hlinkshowjump?jump=nextslide"/>
-            <a:extLst>
-              <a:ext uri="{FF2B5EF4-FFF2-40B4-BE49-F238E27FC236}">
-                <a16:creationId xmlns:a16="http://schemas.microsoft.com/office/drawing/2014/main" id="{2E4ABC27-BEF2-5DD5-8CAE-635E4240C839}"/>
+          <p:cNvPr id="16" name="TextBox 15">
+            <a:extLst>
+              <a:ext uri="{FF2B5EF4-FFF2-40B4-BE49-F238E27FC236}">
+                <a16:creationId xmlns:a16="http://schemas.microsoft.com/office/drawing/2014/main" id="{2B69170F-5EE3-BF40-0519-6775973E2449}"/>
+              </a:ext>
+            </a:extLst>
+          </p:cNvPr>
+          <p:cNvSpPr txBox="1"/>
+          <p:nvPr/>
+        </p:nvSpPr>
+        <p:spPr>
+          <a:xfrm>
+            <a:off x="565026" y="1102236"/>
+            <a:ext cx="2103529" cy="646331"/>
+          </a:xfrm>
+          <a:prstGeom prst="rect">
+            <a:avLst/>
+          </a:prstGeom>
+          <a:noFill/>
+        </p:spPr>
+        <p:txBody>
+          <a:bodyPr wrap="square" rtlCol="0">
+            <a:spAutoFit/>
+          </a:bodyPr>
+          <a:lstStyle/>
+          <a:p>
+            <a:r>
+              <a:rPr lang="en-US" sz="3600" dirty="0">
+                <a:solidFill>
+                  <a:schemeClr val="bg2"/>
+                </a:solidFill>
+              </a:rPr>
+              <a:t>Improving</a:t>
+            </a:r>
+            <a:r>
+              <a:rPr lang="en-US" dirty="0"/>
+              <a:t> </a:t>
+            </a:r>
+          </a:p>
+        </p:txBody>
+      </p:sp>
+      <p:sp>
+        <p:nvSpPr>
+          <p:cNvPr id="17" name="TextBox 16">
+            <a:extLst>
+              <a:ext uri="{FF2B5EF4-FFF2-40B4-BE49-F238E27FC236}">
+                <a16:creationId xmlns:a16="http://schemas.microsoft.com/office/drawing/2014/main" id="{0A04D676-7573-7783-C888-D1874BA17C8F}"/>
+              </a:ext>
+            </a:extLst>
+          </p:cNvPr>
+          <p:cNvSpPr txBox="1"/>
+          <p:nvPr/>
+        </p:nvSpPr>
+        <p:spPr>
+          <a:xfrm>
+            <a:off x="6555439" y="5730907"/>
+            <a:ext cx="5312932" cy="646331"/>
+          </a:xfrm>
+          <a:prstGeom prst="rect">
+            <a:avLst/>
+          </a:prstGeom>
+          <a:noFill/>
+        </p:spPr>
+        <p:txBody>
+          <a:bodyPr wrap="square" rtlCol="0">
+            <a:spAutoFit/>
+          </a:bodyPr>
+          <a:lstStyle/>
+          <a:p>
+            <a:r>
+              <a:rPr lang="en-US" sz="3600" dirty="0">
+                <a:solidFill>
+                  <a:schemeClr val="bg2"/>
+                </a:solidFill>
+              </a:rPr>
+              <a:t>one team at a time</a:t>
+            </a:r>
+          </a:p>
+        </p:txBody>
+      </p:sp>
+      <p:pic>
+        <p:nvPicPr>
+          <p:cNvPr id="21" name="Picture 20" descr="A group of colorful circles on a black background&#10;&#10;Description automatically generated">
+            <a:extLst>
+              <a:ext uri="{FF2B5EF4-FFF2-40B4-BE49-F238E27FC236}">
+                <a16:creationId xmlns:a16="http://schemas.microsoft.com/office/drawing/2014/main" id="{AD2633FA-E7DC-C66F-3BF6-2E72142824E8}"/>
+              </a:ext>
+            </a:extLst>
+          </p:cNvPr>
+          <p:cNvPicPr>
+            <a:picLocks noChangeAspect="1"/>
+          </p:cNvPicPr>
+          <p:nvPr/>
+        </p:nvPicPr>
+        <p:blipFill>
+          <a:blip r:embed="rId4"/>
+          <a:stretch>
+            <a:fillRect/>
+          </a:stretch>
+        </p:blipFill>
+        <p:spPr>
+          <a:xfrm rot="11376027">
+            <a:off x="1762413" y="1180332"/>
+            <a:ext cx="4154501" cy="4233785"/>
+          </a:xfrm>
+          <a:prstGeom prst="rect">
+            <a:avLst/>
+          </a:prstGeom>
+        </p:spPr>
+      </p:pic>
+      <p:sp>
+        <p:nvSpPr>
+          <p:cNvPr id="19" name="Oval 18">
+            <a:hlinkClick r:id="rId5" action="ppaction://hlinksldjump"/>
+            <a:extLst>
+              <a:ext uri="{FF2B5EF4-FFF2-40B4-BE49-F238E27FC236}">
+                <a16:creationId xmlns:a16="http://schemas.microsoft.com/office/drawing/2014/main" id="{367FE824-67B9-A287-F681-011F6D242710}"/>
               </a:ext>
             </a:extLst>
           </p:cNvPr>
@@ -3559,19 +3675,15 @@
         </p:nvSpPr>
         <p:spPr>
           <a:xfrm>
-            <a:off x="8242397" y="4370211"/>
-            <a:ext cx="1209675" cy="1264106"/>
+            <a:off x="896578" y="5075587"/>
+            <a:ext cx="1613016" cy="1310640"/>
           </a:xfrm>
           <a:prstGeom prst="ellipse">
             <a:avLst/>
           </a:prstGeom>
-          <a:solidFill>
-            <a:srgbClr val="FF00FF"/>
-          </a:solidFill>
-          <a:ln w="158750">
-            <a:solidFill>
-              <a:schemeClr val="tx1"/>
-            </a:solidFill>
+          <a:noFill/>
+          <a:ln>
+            <a:noFill/>
           </a:ln>
         </p:spPr>
         <p:style>
@@ -3595,57 +3707,16 @@
           <a:lstStyle/>
           <a:p>
             <a:pPr algn="ctr"/>
-            <a:endParaRPr lang="en-US" dirty="0"/>
-          </a:p>
-        </p:txBody>
-      </p:sp>
-      <p:sp>
-        <p:nvSpPr>
-          <p:cNvPr id="11" name="TextBox 10">
-            <a:extLst>
-              <a:ext uri="{FF2B5EF4-FFF2-40B4-BE49-F238E27FC236}">
-                <a16:creationId xmlns:a16="http://schemas.microsoft.com/office/drawing/2014/main" id="{5CE0A782-F039-AEAF-0705-F7AE6FBCA6F1}"/>
-              </a:ext>
-            </a:extLst>
-          </p:cNvPr>
-          <p:cNvSpPr txBox="1"/>
-          <p:nvPr/>
-        </p:nvSpPr>
-        <p:spPr>
-          <a:xfrm>
-            <a:off x="8352942" y="4679098"/>
-            <a:ext cx="988584" cy="646331"/>
-          </a:xfrm>
-          <a:prstGeom prst="rect">
-            <a:avLst/>
-          </a:prstGeom>
-          <a:noFill/>
-        </p:spPr>
-        <p:txBody>
-          <a:bodyPr wrap="square" rtlCol="0">
-            <a:spAutoFit/>
-          </a:bodyPr>
-          <a:lstStyle/>
-          <a:p>
-            <a:pPr algn="ctr"/>
-            <a:r>
-              <a:rPr lang="en-US" dirty="0">
-                <a:solidFill>
-                  <a:schemeClr val="bg1"/>
-                </a:solidFill>
-              </a:rPr>
-              <a:t>LEARN MORE</a:t>
-            </a:r>
-          </a:p>
-        </p:txBody>
-      </p:sp>
-      <p:sp>
-        <p:nvSpPr>
-          <p:cNvPr id="6" name="Oval 5">
-            <a:hlinkClick r:id="rId4" action="ppaction://hlinksldjump"/>
-            <a:extLst>
-              <a:ext uri="{FF2B5EF4-FFF2-40B4-BE49-F238E27FC236}">
-                <a16:creationId xmlns:a16="http://schemas.microsoft.com/office/drawing/2014/main" id="{72F4EC1D-3A77-B62A-C246-B19ADBC724FE}"/>
+            <a:endParaRPr lang="en-US"/>
+          </a:p>
+        </p:txBody>
+      </p:sp>
+      <p:sp>
+        <p:nvSpPr>
+          <p:cNvPr id="22" name="Donut 21">
+            <a:extLst>
+              <a:ext uri="{FF2B5EF4-FFF2-40B4-BE49-F238E27FC236}">
+                <a16:creationId xmlns:a16="http://schemas.microsoft.com/office/drawing/2014/main" id="{7CF46C24-679B-41EB-B999-BC444E66D23F}"/>
               </a:ext>
             </a:extLst>
           </p:cNvPr>
@@ -3654,17 +3725,21 @@
         </p:nvSpPr>
         <p:spPr>
           <a:xfrm>
-            <a:off x="3963812" y="4538085"/>
-            <a:ext cx="536905" cy="486874"/>
-          </a:xfrm>
-          <a:prstGeom prst="ellipse">
-            <a:avLst/>
+            <a:off x="3683995" y="4241771"/>
+            <a:ext cx="1393845" cy="1387259"/>
+          </a:xfrm>
+          <a:prstGeom prst="donut">
+            <a:avLst>
+              <a:gd name="adj" fmla="val 11356"/>
+            </a:avLst>
           </a:prstGeom>
           <a:solidFill>
-            <a:srgbClr val="E32203"/>
+            <a:schemeClr val="tx1"/>
           </a:solidFill>
           <a:ln>
-            <a:noFill/>
+            <a:solidFill>
+              <a:schemeClr val="tx1"/>
+            </a:solidFill>
           </a:ln>
         </p:spPr>
         <p:style>
@@ -3688,47 +3763,20 @@
           <a:lstStyle/>
           <a:p>
             <a:pPr algn="ctr"/>
-            <a:endParaRPr lang="en-US" dirty="0"/>
-          </a:p>
-        </p:txBody>
-      </p:sp>
-      <p:pic>
-        <p:nvPicPr>
-          <p:cNvPr id="3" name="Picture 2" descr="A group of colorful circles on a black background&#10;&#10;Description automatically generated">
-            <a:extLst>
-              <a:ext uri="{FF2B5EF4-FFF2-40B4-BE49-F238E27FC236}">
-                <a16:creationId xmlns:a16="http://schemas.microsoft.com/office/drawing/2014/main" id="{C2839B79-BDA1-CC52-AF86-D5628BCF50CE}"/>
-              </a:ext>
-            </a:extLst>
-          </p:cNvPr>
-          <p:cNvPicPr>
-            <a:picLocks noChangeAspect="1"/>
-          </p:cNvPicPr>
-          <p:nvPr/>
-        </p:nvPicPr>
-        <p:blipFill>
-          <a:blip r:embed="rId5"/>
-          <a:stretch>
-            <a:fillRect/>
-          </a:stretch>
-        </p:blipFill>
-        <p:spPr>
-          <a:xfrm rot="11598472">
-            <a:off x="1509567" y="797224"/>
-            <a:ext cx="4571107" cy="4658342"/>
-          </a:xfrm>
-          <a:prstGeom prst="rect">
-            <a:avLst/>
-          </a:prstGeom>
-        </p:spPr>
-      </p:pic>
-      <p:sp>
-        <p:nvSpPr>
-          <p:cNvPr id="10" name="Oval 9">
-            <a:hlinkClick r:id="rId4" action="ppaction://hlinksldjump"/>
-            <a:extLst>
-              <a:ext uri="{FF2B5EF4-FFF2-40B4-BE49-F238E27FC236}">
-                <a16:creationId xmlns:a16="http://schemas.microsoft.com/office/drawing/2014/main" id="{FB874832-A62F-C4FD-1F11-9DC98619448B}"/>
+            <a:endParaRPr lang="en-US">
+              <a:solidFill>
+                <a:srgbClr val="E32203"/>
+              </a:solidFill>
+            </a:endParaRPr>
+          </a:p>
+        </p:txBody>
+      </p:sp>
+      <p:sp>
+        <p:nvSpPr>
+          <p:cNvPr id="23" name="Oval 22">
+            <a:extLst>
+              <a:ext uri="{FF2B5EF4-FFF2-40B4-BE49-F238E27FC236}">
+                <a16:creationId xmlns:a16="http://schemas.microsoft.com/office/drawing/2014/main" id="{FC6F9734-EDD3-AADF-21E1-8F6F1BA6CA35}"/>
               </a:ext>
             </a:extLst>
           </p:cNvPr>
@@ -3737,8 +3785,8 @@
         </p:nvSpPr>
         <p:spPr>
           <a:xfrm>
-            <a:off x="3645281" y="4268535"/>
-            <a:ext cx="1352880" cy="1365782"/>
+            <a:off x="3839663" y="4394837"/>
+            <a:ext cx="1093964" cy="1064217"/>
           </a:xfrm>
           <a:prstGeom prst="ellipse">
             <a:avLst/>
@@ -3746,9 +3794,9 @@
           <a:solidFill>
             <a:srgbClr val="E32203"/>
           </a:solidFill>
-          <a:ln w="158750">
+          <a:ln>
             <a:solidFill>
-              <a:schemeClr val="tx1"/>
+              <a:srgbClr val="E32203"/>
             </a:solidFill>
           </a:ln>
         </p:spPr>
@@ -3773,58 +3821,17 @@
           <a:lstStyle/>
           <a:p>
             <a:pPr algn="ctr"/>
-            <a:endParaRPr lang="en-US" dirty="0"/>
-          </a:p>
-        </p:txBody>
-      </p:sp>
-      <p:sp>
-        <p:nvSpPr>
-          <p:cNvPr id="12" name="TextBox 11">
-            <a:hlinkClick r:id="rId3" action="ppaction://hlinksldjump"/>
-            <a:extLst>
-              <a:ext uri="{FF2B5EF4-FFF2-40B4-BE49-F238E27FC236}">
-                <a16:creationId xmlns:a16="http://schemas.microsoft.com/office/drawing/2014/main" id="{3B61CC7B-7B13-2C38-5CB1-43A189023020}"/>
-              </a:ext>
-            </a:extLst>
-          </p:cNvPr>
-          <p:cNvSpPr txBox="1"/>
-          <p:nvPr/>
-        </p:nvSpPr>
-        <p:spPr>
-          <a:xfrm>
-            <a:off x="3028973" y="2776170"/>
-            <a:ext cx="1352880" cy="553998"/>
-          </a:xfrm>
-          <a:prstGeom prst="rect">
-            <a:avLst/>
-          </a:prstGeom>
-          <a:noFill/>
-        </p:spPr>
-        <p:txBody>
-          <a:bodyPr wrap="square" rtlCol="0">
-            <a:spAutoFit/>
-          </a:bodyPr>
-          <a:lstStyle/>
-          <a:p>
-            <a:pPr algn="ctr"/>
-            <a:r>
-              <a:rPr lang="en-US" sz="3000" dirty="0">
-                <a:solidFill>
-                  <a:schemeClr val="bg1"/>
-                </a:solidFill>
-              </a:rPr>
-              <a:t>LOGIN</a:t>
-            </a:r>
-          </a:p>
-        </p:txBody>
-      </p:sp>
-      <p:sp>
-        <p:nvSpPr>
-          <p:cNvPr id="13" name="Oval 12">
-            <a:hlinkClick r:id="rId6" action="ppaction://hlinksldjump"/>
-            <a:extLst>
-              <a:ext uri="{FF2B5EF4-FFF2-40B4-BE49-F238E27FC236}">
-                <a16:creationId xmlns:a16="http://schemas.microsoft.com/office/drawing/2014/main" id="{9B474AAB-8138-2CC3-0CDF-D24D1ABF4F4E}"/>
+            <a:endParaRPr lang="en-US"/>
+          </a:p>
+        </p:txBody>
+      </p:sp>
+      <p:sp>
+        <p:nvSpPr>
+          <p:cNvPr id="24" name="Oval 23">
+            <a:hlinkClick r:id="rId5" action="ppaction://hlinksldjump"/>
+            <a:extLst>
+              <a:ext uri="{FF2B5EF4-FFF2-40B4-BE49-F238E27FC236}">
+                <a16:creationId xmlns:a16="http://schemas.microsoft.com/office/drawing/2014/main" id="{693296E5-8272-E072-8919-A778B5506005}"/>
               </a:ext>
             </a:extLst>
           </p:cNvPr>
@@ -3833,15 +3840,19 @@
         </p:nvSpPr>
         <p:spPr>
           <a:xfrm>
-            <a:off x="2381250" y="1085850"/>
-            <a:ext cx="1428750" cy="857250"/>
+            <a:off x="3089109" y="2469598"/>
+            <a:ext cx="1361589" cy="1362456"/>
           </a:xfrm>
           <a:prstGeom prst="ellipse">
             <a:avLst/>
           </a:prstGeom>
-          <a:noFill/>
-          <a:ln>
-            <a:noFill/>
+          <a:solidFill>
+            <a:srgbClr val="51D6FC"/>
+          </a:solidFill>
+          <a:ln w="76200">
+            <a:solidFill>
+              <a:schemeClr val="bg1"/>
+            </a:solidFill>
           </a:ln>
         </p:spPr>
         <p:style>
@@ -3865,190 +3876,16 @@
           <a:lstStyle/>
           <a:p>
             <a:pPr algn="ctr"/>
-            <a:endParaRPr lang="en-US"/>
-          </a:p>
-        </p:txBody>
-      </p:sp>
-      <p:sp>
-        <p:nvSpPr>
-          <p:cNvPr id="14" name="Oval 13">
-            <a:hlinkClick r:id="rId7" action="ppaction://hlinksldjump"/>
-            <a:extLst>
-              <a:ext uri="{FF2B5EF4-FFF2-40B4-BE49-F238E27FC236}">
-                <a16:creationId xmlns:a16="http://schemas.microsoft.com/office/drawing/2014/main" id="{8699374A-EFCD-99F1-A3A9-72BCF6A95DA3}"/>
-              </a:ext>
-            </a:extLst>
-          </p:cNvPr>
-          <p:cNvSpPr/>
-          <p:nvPr/>
-        </p:nvSpPr>
-        <p:spPr>
-          <a:xfrm>
-            <a:off x="4998161" y="1223683"/>
-            <a:ext cx="1326439" cy="1311061"/>
-          </a:xfrm>
-          <a:prstGeom prst="ellipse">
-            <a:avLst/>
-          </a:prstGeom>
-          <a:noFill/>
-          <a:ln>
-            <a:noFill/>
-          </a:ln>
-        </p:spPr>
-        <p:style>
-          <a:lnRef idx="2">
-            <a:schemeClr val="accent1">
-              <a:shade val="50000"/>
-            </a:schemeClr>
-          </a:lnRef>
-          <a:fillRef idx="1">
-            <a:schemeClr val="accent1"/>
-          </a:fillRef>
-          <a:effectRef idx="0">
-            <a:schemeClr val="accent1"/>
-          </a:effectRef>
-          <a:fontRef idx="minor">
-            <a:schemeClr val="lt1"/>
-          </a:fontRef>
-        </p:style>
-        <p:txBody>
-          <a:bodyPr rtlCol="0" anchor="ctr"/>
-          <a:lstStyle/>
-          <a:p>
-            <a:pPr algn="ctr"/>
-            <a:endParaRPr lang="en-US"/>
-          </a:p>
-        </p:txBody>
-      </p:sp>
-      <p:sp>
-        <p:nvSpPr>
-          <p:cNvPr id="15" name="Oval 14">
-            <a:hlinkClick r:id="rId8" action="ppaction://hlinksldjump"/>
-            <a:extLst>
-              <a:ext uri="{FF2B5EF4-FFF2-40B4-BE49-F238E27FC236}">
-                <a16:creationId xmlns:a16="http://schemas.microsoft.com/office/drawing/2014/main" id="{021A1C13-8C0C-1B7E-30C0-252AD5D8A171}"/>
-              </a:ext>
-            </a:extLst>
-          </p:cNvPr>
-          <p:cNvSpPr/>
-          <p:nvPr/>
-        </p:nvSpPr>
-        <p:spPr>
-          <a:xfrm>
-            <a:off x="1766276" y="1938875"/>
-            <a:ext cx="1091567" cy="857249"/>
-          </a:xfrm>
-          <a:prstGeom prst="ellipse">
-            <a:avLst/>
-          </a:prstGeom>
-          <a:noFill/>
-          <a:ln>
-            <a:noFill/>
-          </a:ln>
-        </p:spPr>
-        <p:style>
-          <a:lnRef idx="2">
-            <a:schemeClr val="accent1">
-              <a:shade val="50000"/>
-            </a:schemeClr>
-          </a:lnRef>
-          <a:fillRef idx="1">
-            <a:schemeClr val="accent1"/>
-          </a:fillRef>
-          <a:effectRef idx="0">
-            <a:schemeClr val="accent1"/>
-          </a:effectRef>
-          <a:fontRef idx="minor">
-            <a:schemeClr val="lt1"/>
-          </a:fontRef>
-        </p:style>
-        <p:txBody>
-          <a:bodyPr rtlCol="0" anchor="ctr"/>
-          <a:lstStyle/>
-          <a:p>
-            <a:pPr algn="ctr"/>
-            <a:endParaRPr lang="en-US"/>
-          </a:p>
-        </p:txBody>
-      </p:sp>
-      <p:sp>
-        <p:nvSpPr>
-          <p:cNvPr id="16" name="TextBox 15">
-            <a:extLst>
-              <a:ext uri="{FF2B5EF4-FFF2-40B4-BE49-F238E27FC236}">
-                <a16:creationId xmlns:a16="http://schemas.microsoft.com/office/drawing/2014/main" id="{2B69170F-5EE3-BF40-0519-6775973E2449}"/>
-              </a:ext>
-            </a:extLst>
-          </p:cNvPr>
-          <p:cNvSpPr txBox="1"/>
-          <p:nvPr/>
-        </p:nvSpPr>
-        <p:spPr>
-          <a:xfrm>
-            <a:off x="565026" y="1102236"/>
-            <a:ext cx="5061197" cy="646331"/>
-          </a:xfrm>
-          <a:prstGeom prst="rect">
-            <a:avLst/>
-          </a:prstGeom>
-          <a:noFill/>
-        </p:spPr>
-        <p:txBody>
-          <a:bodyPr wrap="square" rtlCol="0">
-            <a:spAutoFit/>
-          </a:bodyPr>
-          <a:lstStyle/>
-          <a:p>
-            <a:r>
-              <a:rPr lang="en-US" sz="3600" dirty="0">
+            <a:r>
+              <a:rPr lang="en-US" dirty="0">
+                <a:ln w="57150">
+                  <a:noFill/>
+                </a:ln>
                 <a:solidFill>
-                  <a:schemeClr val="bg2"/>
+                  <a:schemeClr val="tx1"/>
                 </a:solidFill>
               </a:rPr>
-              <a:t>Improving</a:t>
-            </a:r>
-            <a:r>
-              <a:rPr lang="en-US" dirty="0"/>
-              <a:t> </a:t>
-            </a:r>
-          </a:p>
-        </p:txBody>
-      </p:sp>
-      <p:sp>
-        <p:nvSpPr>
-          <p:cNvPr id="17" name="TextBox 16">
-            <a:extLst>
-              <a:ext uri="{FF2B5EF4-FFF2-40B4-BE49-F238E27FC236}">
-                <a16:creationId xmlns:a16="http://schemas.microsoft.com/office/drawing/2014/main" id="{0A04D676-7573-7783-C888-D1874BA17C8F}"/>
-              </a:ext>
-            </a:extLst>
-          </p:cNvPr>
-          <p:cNvSpPr txBox="1"/>
-          <p:nvPr/>
-        </p:nvSpPr>
-        <p:spPr>
-          <a:xfrm>
-            <a:off x="6555439" y="5730907"/>
-            <a:ext cx="5312932" cy="646331"/>
-          </a:xfrm>
-          <a:prstGeom prst="rect">
-            <a:avLst/>
-          </a:prstGeom>
-          <a:noFill/>
-        </p:spPr>
-        <p:txBody>
-          <a:bodyPr wrap="square" rtlCol="0">
-            <a:spAutoFit/>
-          </a:bodyPr>
-          <a:lstStyle/>
-          <a:p>
-            <a:r>
-              <a:rPr lang="en-US" sz="3600" dirty="0">
-                <a:solidFill>
-                  <a:schemeClr val="bg2"/>
-                </a:solidFill>
-              </a:rPr>
-              <a:t>one conversation at a time</a:t>
+              <a:t>Learn More</a:t>
             </a:r>
           </a:p>
         </p:txBody>
@@ -4067,6 +3904,1971 @@
     <mc:Choice xmlns:p159="http://schemas.microsoft.com/office/powerpoint/2015/09/main" Requires="p159">
       <p:transition xmlns:p14="http://schemas.microsoft.com/office/powerpoint/2010/main" spd="slow" p14:dur="2000">
         <p159:morph option="byChar"/>
+      </p:transition>
+    </mc:Choice>
+    <mc:Fallback>
+      <p:transition spd="slow">
+        <p:fade/>
+      </p:transition>
+    </mc:Fallback>
+  </mc:AlternateContent>
+</p:sld>
+</file>
+
+<file path=ppt/slides/slide10.xml><?xml version="1.0" encoding="utf-8"?>
+<p:sld xmlns:a="http://schemas.openxmlformats.org/drawingml/2006/main" xmlns:r="http://schemas.openxmlformats.org/officeDocument/2006/relationships" xmlns:p="http://schemas.openxmlformats.org/presentationml/2006/main">
+  <p:cSld>
+    <p:bg>
+      <p:bgPr>
+        <a:solidFill>
+          <a:schemeClr val="accent1">
+            <a:lumMod val="75000"/>
+          </a:schemeClr>
+        </a:solidFill>
+        <a:effectLst/>
+      </p:bgPr>
+    </p:bg>
+    <p:spTree>
+      <p:nvGrpSpPr>
+        <p:cNvPr id="1" name=""/>
+        <p:cNvGrpSpPr/>
+        <p:nvPr/>
+      </p:nvGrpSpPr>
+      <p:grpSpPr>
+        <a:xfrm>
+          <a:off x="0" y="0"/>
+          <a:ext cx="0" cy="0"/>
+          <a:chOff x="0" y="0"/>
+          <a:chExt cx="0" cy="0"/>
+        </a:xfrm>
+      </p:grpSpPr>
+      <p:sp>
+        <p:nvSpPr>
+          <p:cNvPr id="6" name="Title 5">
+            <a:extLst>
+              <a:ext uri="{FF2B5EF4-FFF2-40B4-BE49-F238E27FC236}">
+                <a16:creationId xmlns:a16="http://schemas.microsoft.com/office/drawing/2014/main" id="{F5A10964-9D56-B7C4-C9F9-71789FA3ACDF}"/>
+              </a:ext>
+            </a:extLst>
+          </p:cNvPr>
+          <p:cNvSpPr>
+            <a:spLocks noGrp="1"/>
+          </p:cNvSpPr>
+          <p:nvPr>
+            <p:ph type="title"/>
+          </p:nvPr>
+        </p:nvSpPr>
+        <p:spPr/>
+        <p:txBody>
+          <a:bodyPr anchor="ctr">
+            <a:normAutofit/>
+          </a:bodyPr>
+          <a:lstStyle/>
+          <a:p>
+            <a:r>
+              <a:rPr lang="en-US" sz="5200" dirty="0">
+                <a:solidFill>
+                  <a:schemeClr val="bg1"/>
+                </a:solidFill>
+                <a:latin typeface="Microsoft YaHei" panose="020B0503020204020204" pitchFamily="34" charset="-122"/>
+                <a:ea typeface="Microsoft YaHei" panose="020B0503020204020204" pitchFamily="34" charset="-122"/>
+              </a:rPr>
+              <a:t>How To Use</a:t>
+            </a:r>
+          </a:p>
+        </p:txBody>
+      </p:sp>
+      <p:sp>
+        <p:nvSpPr>
+          <p:cNvPr id="2" name="Content Placeholder 1">
+            <a:extLst>
+              <a:ext uri="{FF2B5EF4-FFF2-40B4-BE49-F238E27FC236}">
+                <a16:creationId xmlns:a16="http://schemas.microsoft.com/office/drawing/2014/main" id="{48B14325-74E1-478D-EE2D-1908FB6C57EA}"/>
+              </a:ext>
+            </a:extLst>
+          </p:cNvPr>
+          <p:cNvSpPr>
+            <a:spLocks noGrp="1"/>
+          </p:cNvSpPr>
+          <p:nvPr>
+            <p:ph sz="half" idx="1"/>
+          </p:nvPr>
+        </p:nvSpPr>
+        <p:spPr/>
+        <p:txBody>
+          <a:bodyPr/>
+          <a:lstStyle/>
+          <a:p>
+            <a:r>
+              <a:rPr lang="en-US" sz="2000" dirty="0"/>
+              <a:t>Weekly Check-ins</a:t>
+            </a:r>
+          </a:p>
+          <a:p>
+            <a:r>
+              <a:rPr lang="en-US" sz="2000" dirty="0"/>
+              <a:t>Simulated Team Experiences</a:t>
+            </a:r>
+          </a:p>
+          <a:p>
+            <a:r>
+              <a:rPr lang="en-US" sz="2000" dirty="0"/>
+              <a:t>Bingo! Learning</a:t>
+            </a:r>
+          </a:p>
+          <a:p>
+            <a:r>
+              <a:rPr lang="en-US" sz="2000" dirty="0"/>
+              <a:t>Iterative Assignments</a:t>
+            </a:r>
+          </a:p>
+          <a:p>
+            <a:r>
+              <a:rPr lang="en-US" sz="2000" u="sng" dirty="0">
+                <a:solidFill>
+                  <a:srgbClr val="F5EC00"/>
+                </a:solidFill>
+              </a:rPr>
+              <a:t>See a video</a:t>
+            </a:r>
+            <a:endParaRPr lang="en-US" u="sng" dirty="0">
+              <a:solidFill>
+                <a:srgbClr val="F5EC00"/>
+              </a:solidFill>
+            </a:endParaRPr>
+          </a:p>
+        </p:txBody>
+      </p:sp>
+      <p:sp>
+        <p:nvSpPr>
+          <p:cNvPr id="3" name="Oval 2">
+            <a:hlinkClick r:id="rId3" action="ppaction://hlinksldjump"/>
+            <a:extLst>
+              <a:ext uri="{FF2B5EF4-FFF2-40B4-BE49-F238E27FC236}">
+                <a16:creationId xmlns:a16="http://schemas.microsoft.com/office/drawing/2014/main" id="{2C942AED-73B2-52E2-6B5A-B5D1F184BD0C}"/>
+              </a:ext>
+            </a:extLst>
+          </p:cNvPr>
+          <p:cNvSpPr/>
+          <p:nvPr/>
+        </p:nvSpPr>
+        <p:spPr>
+          <a:xfrm>
+            <a:off x="2200547" y="3862447"/>
+            <a:ext cx="1100831" cy="1083076"/>
+          </a:xfrm>
+          <a:prstGeom prst="ellipse">
+            <a:avLst/>
+          </a:prstGeom>
+          <a:noFill/>
+          <a:ln>
+            <a:noFill/>
+          </a:ln>
+        </p:spPr>
+        <p:style>
+          <a:lnRef idx="2">
+            <a:schemeClr val="accent1">
+              <a:shade val="50000"/>
+            </a:schemeClr>
+          </a:lnRef>
+          <a:fillRef idx="1">
+            <a:schemeClr val="accent1"/>
+          </a:fillRef>
+          <a:effectRef idx="0">
+            <a:schemeClr val="accent1"/>
+          </a:effectRef>
+          <a:fontRef idx="minor">
+            <a:schemeClr val="lt1"/>
+          </a:fontRef>
+        </p:style>
+        <p:txBody>
+          <a:bodyPr rtlCol="0" anchor="ctr"/>
+          <a:lstStyle/>
+          <a:p>
+            <a:pPr algn="ctr"/>
+            <a:endParaRPr lang="en-US"/>
+          </a:p>
+        </p:txBody>
+      </p:sp>
+      <p:sp>
+        <p:nvSpPr>
+          <p:cNvPr id="7" name="Oval 6">
+            <a:hlinkClick r:id="rId4" action="ppaction://hlinksldjump"/>
+            <a:extLst>
+              <a:ext uri="{FF2B5EF4-FFF2-40B4-BE49-F238E27FC236}">
+                <a16:creationId xmlns:a16="http://schemas.microsoft.com/office/drawing/2014/main" id="{04C78F41-60CA-4189-2C3F-DB00209D5518}"/>
+              </a:ext>
+            </a:extLst>
+          </p:cNvPr>
+          <p:cNvSpPr/>
+          <p:nvPr/>
+        </p:nvSpPr>
+        <p:spPr>
+          <a:xfrm>
+            <a:off x="1367160" y="2457703"/>
+            <a:ext cx="1100831" cy="1083076"/>
+          </a:xfrm>
+          <a:prstGeom prst="ellipse">
+            <a:avLst/>
+          </a:prstGeom>
+          <a:noFill/>
+          <a:ln>
+            <a:noFill/>
+          </a:ln>
+        </p:spPr>
+        <p:style>
+          <a:lnRef idx="2">
+            <a:schemeClr val="accent1">
+              <a:shade val="50000"/>
+            </a:schemeClr>
+          </a:lnRef>
+          <a:fillRef idx="1">
+            <a:schemeClr val="accent1"/>
+          </a:fillRef>
+          <a:effectRef idx="0">
+            <a:schemeClr val="accent1"/>
+          </a:effectRef>
+          <a:fontRef idx="minor">
+            <a:schemeClr val="lt1"/>
+          </a:fontRef>
+        </p:style>
+        <p:txBody>
+          <a:bodyPr rtlCol="0" anchor="ctr"/>
+          <a:lstStyle/>
+          <a:p>
+            <a:pPr algn="ctr"/>
+            <a:endParaRPr lang="en-US"/>
+          </a:p>
+        </p:txBody>
+      </p:sp>
+      <p:pic>
+        <p:nvPicPr>
+          <p:cNvPr id="8" name="Picture 7" descr="A group of colorful circles on a black background&#10;&#10;Description automatically generated">
+            <a:extLst>
+              <a:ext uri="{FF2B5EF4-FFF2-40B4-BE49-F238E27FC236}">
+                <a16:creationId xmlns:a16="http://schemas.microsoft.com/office/drawing/2014/main" id="{58BC4062-96DD-BAAC-6008-A8657B1F5DB0}"/>
+              </a:ext>
+            </a:extLst>
+          </p:cNvPr>
+          <p:cNvPicPr>
+            <a:picLocks noChangeAspect="1"/>
+          </p:cNvPicPr>
+          <p:nvPr/>
+        </p:nvPicPr>
+        <p:blipFill>
+          <a:blip r:embed="rId5"/>
+          <a:stretch>
+            <a:fillRect/>
+          </a:stretch>
+        </p:blipFill>
+        <p:spPr>
+          <a:xfrm rot="2386016">
+            <a:off x="9026905" y="168174"/>
+            <a:ext cx="3180589" cy="3241287"/>
+          </a:xfrm>
+          <a:prstGeom prst="rect">
+            <a:avLst/>
+          </a:prstGeom>
+        </p:spPr>
+      </p:pic>
+      <p:sp>
+        <p:nvSpPr>
+          <p:cNvPr id="18" name="Oval 17">
+            <a:hlinkClick r:id="rId4" action="ppaction://hlinksldjump"/>
+            <a:extLst>
+              <a:ext uri="{FF2B5EF4-FFF2-40B4-BE49-F238E27FC236}">
+                <a16:creationId xmlns:a16="http://schemas.microsoft.com/office/drawing/2014/main" id="{50772660-0BBE-7BE9-C36F-7ACA33C163EF}"/>
+              </a:ext>
+            </a:extLst>
+          </p:cNvPr>
+          <p:cNvSpPr/>
+          <p:nvPr/>
+        </p:nvSpPr>
+        <p:spPr>
+          <a:xfrm>
+            <a:off x="10315640" y="88360"/>
+            <a:ext cx="1088450" cy="887920"/>
+          </a:xfrm>
+          <a:prstGeom prst="ellipse">
+            <a:avLst/>
+          </a:prstGeom>
+          <a:noFill/>
+          <a:ln>
+            <a:noFill/>
+          </a:ln>
+        </p:spPr>
+        <p:style>
+          <a:lnRef idx="2">
+            <a:schemeClr val="accent1">
+              <a:shade val="50000"/>
+            </a:schemeClr>
+          </a:lnRef>
+          <a:fillRef idx="1">
+            <a:schemeClr val="accent1"/>
+          </a:fillRef>
+          <a:effectRef idx="0">
+            <a:schemeClr val="accent1"/>
+          </a:effectRef>
+          <a:fontRef idx="minor">
+            <a:schemeClr val="lt1"/>
+          </a:fontRef>
+        </p:style>
+        <p:txBody>
+          <a:bodyPr rtlCol="0" anchor="ctr"/>
+          <a:lstStyle/>
+          <a:p>
+            <a:pPr algn="ctr"/>
+            <a:endParaRPr lang="en-US" dirty="0"/>
+          </a:p>
+        </p:txBody>
+      </p:sp>
+      <p:sp>
+        <p:nvSpPr>
+          <p:cNvPr id="19" name="Oval 18">
+            <a:hlinkClick r:id="rId6" action="ppaction://hlinksldjump"/>
+            <a:extLst>
+              <a:ext uri="{FF2B5EF4-FFF2-40B4-BE49-F238E27FC236}">
+                <a16:creationId xmlns:a16="http://schemas.microsoft.com/office/drawing/2014/main" id="{5D378978-6440-0D1A-3A0E-6596990EAF62}"/>
+              </a:ext>
+            </a:extLst>
+          </p:cNvPr>
+          <p:cNvSpPr/>
+          <p:nvPr/>
+        </p:nvSpPr>
+        <p:spPr>
+          <a:xfrm>
+            <a:off x="11165534" y="976280"/>
+            <a:ext cx="924866" cy="861486"/>
+          </a:xfrm>
+          <a:prstGeom prst="ellipse">
+            <a:avLst/>
+          </a:prstGeom>
+          <a:noFill/>
+          <a:ln>
+            <a:noFill/>
+          </a:ln>
+        </p:spPr>
+        <p:style>
+          <a:lnRef idx="2">
+            <a:schemeClr val="accent1">
+              <a:shade val="50000"/>
+            </a:schemeClr>
+          </a:lnRef>
+          <a:fillRef idx="1">
+            <a:schemeClr val="accent1"/>
+          </a:fillRef>
+          <a:effectRef idx="0">
+            <a:schemeClr val="accent1"/>
+          </a:effectRef>
+          <a:fontRef idx="minor">
+            <a:schemeClr val="lt1"/>
+          </a:fontRef>
+        </p:style>
+        <p:txBody>
+          <a:bodyPr rtlCol="0" anchor="ctr"/>
+          <a:lstStyle/>
+          <a:p>
+            <a:pPr algn="ctr"/>
+            <a:endParaRPr lang="en-US" dirty="0"/>
+          </a:p>
+        </p:txBody>
+      </p:sp>
+      <p:sp>
+        <p:nvSpPr>
+          <p:cNvPr id="20" name="Oval 19">
+            <a:hlinkClick r:id="rId7" action="ppaction://hlinksldjump"/>
+            <a:extLst>
+              <a:ext uri="{FF2B5EF4-FFF2-40B4-BE49-F238E27FC236}">
+                <a16:creationId xmlns:a16="http://schemas.microsoft.com/office/drawing/2014/main" id="{F9EFDFE8-E536-4635-0317-DA32D36D1854}"/>
+              </a:ext>
+            </a:extLst>
+          </p:cNvPr>
+          <p:cNvSpPr/>
+          <p:nvPr/>
+        </p:nvSpPr>
+        <p:spPr>
+          <a:xfrm>
+            <a:off x="10990559" y="2426713"/>
+            <a:ext cx="805363" cy="761136"/>
+          </a:xfrm>
+          <a:prstGeom prst="ellipse">
+            <a:avLst/>
+          </a:prstGeom>
+          <a:noFill/>
+          <a:ln>
+            <a:noFill/>
+          </a:ln>
+        </p:spPr>
+        <p:style>
+          <a:lnRef idx="2">
+            <a:schemeClr val="accent1">
+              <a:shade val="50000"/>
+            </a:schemeClr>
+          </a:lnRef>
+          <a:fillRef idx="1">
+            <a:schemeClr val="accent1"/>
+          </a:fillRef>
+          <a:effectRef idx="0">
+            <a:schemeClr val="accent1"/>
+          </a:effectRef>
+          <a:fontRef idx="minor">
+            <a:schemeClr val="lt1"/>
+          </a:fontRef>
+        </p:style>
+        <p:txBody>
+          <a:bodyPr rtlCol="0" anchor="ctr"/>
+          <a:lstStyle/>
+          <a:p>
+            <a:pPr algn="ctr"/>
+            <a:endParaRPr lang="en-US" dirty="0"/>
+          </a:p>
+        </p:txBody>
+      </p:sp>
+      <p:sp>
+        <p:nvSpPr>
+          <p:cNvPr id="21" name="Oval 20">
+            <a:hlinkClick r:id="rId8" action="ppaction://hlinksldjump"/>
+            <a:extLst>
+              <a:ext uri="{FF2B5EF4-FFF2-40B4-BE49-F238E27FC236}">
+                <a16:creationId xmlns:a16="http://schemas.microsoft.com/office/drawing/2014/main" id="{82451A66-03DD-8C40-CB42-ACC84CC4D4BA}"/>
+              </a:ext>
+            </a:extLst>
+          </p:cNvPr>
+          <p:cNvSpPr/>
+          <p:nvPr/>
+        </p:nvSpPr>
+        <p:spPr>
+          <a:xfrm>
+            <a:off x="10120537" y="2667864"/>
+            <a:ext cx="805363" cy="761136"/>
+          </a:xfrm>
+          <a:prstGeom prst="ellipse">
+            <a:avLst/>
+          </a:prstGeom>
+          <a:noFill/>
+          <a:ln>
+            <a:noFill/>
+          </a:ln>
+        </p:spPr>
+        <p:style>
+          <a:lnRef idx="2">
+            <a:schemeClr val="accent1">
+              <a:shade val="50000"/>
+            </a:schemeClr>
+          </a:lnRef>
+          <a:fillRef idx="1">
+            <a:schemeClr val="accent1"/>
+          </a:fillRef>
+          <a:effectRef idx="0">
+            <a:schemeClr val="accent1"/>
+          </a:effectRef>
+          <a:fontRef idx="minor">
+            <a:schemeClr val="lt1"/>
+          </a:fontRef>
+        </p:style>
+        <p:txBody>
+          <a:bodyPr rtlCol="0" anchor="ctr"/>
+          <a:lstStyle/>
+          <a:p>
+            <a:pPr algn="ctr"/>
+            <a:endParaRPr lang="en-US" dirty="0"/>
+          </a:p>
+        </p:txBody>
+      </p:sp>
+      <p:sp>
+        <p:nvSpPr>
+          <p:cNvPr id="22" name="TextBox 21">
+            <a:extLst>
+              <a:ext uri="{FF2B5EF4-FFF2-40B4-BE49-F238E27FC236}">
+                <a16:creationId xmlns:a16="http://schemas.microsoft.com/office/drawing/2014/main" id="{3831D527-7511-7CB6-B90C-15D707EFE93C}"/>
+              </a:ext>
+            </a:extLst>
+          </p:cNvPr>
+          <p:cNvSpPr txBox="1"/>
+          <p:nvPr/>
+        </p:nvSpPr>
+        <p:spPr>
+          <a:xfrm>
+            <a:off x="10213499" y="1709073"/>
+            <a:ext cx="924867" cy="400110"/>
+          </a:xfrm>
+          <a:prstGeom prst="rect">
+            <a:avLst/>
+          </a:prstGeom>
+          <a:noFill/>
+        </p:spPr>
+        <p:txBody>
+          <a:bodyPr wrap="square" rtlCol="0">
+            <a:spAutoFit/>
+          </a:bodyPr>
+          <a:lstStyle/>
+          <a:p>
+            <a:r>
+              <a:rPr lang="en-US" sz="2000" dirty="0">
+                <a:solidFill>
+                  <a:schemeClr val="bg1"/>
+                </a:solidFill>
+              </a:rPr>
+              <a:t>LOGIN</a:t>
+            </a:r>
+          </a:p>
+        </p:txBody>
+      </p:sp>
+      <p:pic>
+        <p:nvPicPr>
+          <p:cNvPr id="4" name="Online Media 26" descr="Making Teamwork Work Equitably">
+            <a:hlinkClick r:id="" action="ppaction://media"/>
+            <a:extLst>
+              <a:ext uri="{FF2B5EF4-FFF2-40B4-BE49-F238E27FC236}">
+                <a16:creationId xmlns:a16="http://schemas.microsoft.com/office/drawing/2014/main" id="{F3967F7E-01A3-7F26-C417-BB981200290C}"/>
+              </a:ext>
+            </a:extLst>
+          </p:cNvPr>
+          <p:cNvPicPr>
+            <a:picLocks noRot="1" noChangeAspect="1"/>
+          </p:cNvPicPr>
+          <p:nvPr>
+            <a:videoFile r:link="rId1"/>
+          </p:nvPr>
+        </p:nvPicPr>
+        <p:blipFill>
+          <a:blip r:embed="rId9"/>
+          <a:stretch>
+            <a:fillRect/>
+          </a:stretch>
+        </p:blipFill>
+        <p:spPr>
+          <a:xfrm>
+            <a:off x="4079849" y="2755671"/>
+            <a:ext cx="6133650" cy="3465513"/>
+          </a:xfrm>
+          <a:prstGeom prst="rect">
+            <a:avLst/>
+          </a:prstGeom>
+        </p:spPr>
+      </p:pic>
+    </p:spTree>
+    <p:extLst>
+      <p:ext uri="{BB962C8B-B14F-4D97-AF65-F5344CB8AC3E}">
+        <p14:creationId xmlns:p14="http://schemas.microsoft.com/office/powerpoint/2010/main" val="3812378398"/>
+      </p:ext>
+    </p:extLst>
+  </p:cSld>
+  <p:clrMapOvr>
+    <a:masterClrMapping/>
+  </p:clrMapOvr>
+  <mc:AlternateContent xmlns:mc="http://schemas.openxmlformats.org/markup-compatibility/2006">
+    <mc:Choice xmlns:p159="http://schemas.microsoft.com/office/powerpoint/2015/09/main" Requires="p159">
+      <p:transition xmlns:p14="http://schemas.microsoft.com/office/powerpoint/2010/main" spd="slow" p14:dur="2000">
+        <p159:morph option="byObject"/>
+      </p:transition>
+    </mc:Choice>
+    <mc:Fallback>
+      <p:transition spd="slow">
+        <p:fade/>
+      </p:transition>
+    </mc:Fallback>
+  </mc:AlternateContent>
+  <p:timing>
+    <p:tnLst>
+      <p:par>
+        <p:cTn id="1" dur="indefinite" restart="never" nodeType="tmRoot">
+          <p:childTnLst>
+            <p:seq concurrent="1" nextAc="seek">
+              <p:cTn id="2" dur="indefinite" nodeType="mainSeq">
+                <p:childTnLst>
+                  <p:par>
+                    <p:cTn id="3" fill="hold">
+                      <p:stCondLst>
+                        <p:cond delay="indefinite"/>
+                      </p:stCondLst>
+                      <p:childTnLst>
+                        <p:par>
+                          <p:cTn id="4" fill="hold">
+                            <p:stCondLst>
+                              <p:cond delay="0"/>
+                            </p:stCondLst>
+                            <p:childTnLst>
+                              <p:par>
+                                <p:cTn id="5" presetID="1" presetClass="mediacall" presetSubtype="0" fill="hold" nodeType="clickEffect">
+                                  <p:stCondLst>
+                                    <p:cond delay="0"/>
+                                  </p:stCondLst>
+                                  <p:childTnLst>
+                                    <p:cmd type="call" cmd="playFrom(0.0)">
+                                      <p:cBhvr>
+                                        <p:cTn id="6" dur="1" fill="hold"/>
+                                        <p:tgtEl>
+                                          <p:spTgt spid="4"/>
+                                        </p:tgtEl>
+                                      </p:cBhvr>
+                                    </p:cmd>
+                                  </p:childTnLst>
+                                </p:cTn>
+                              </p:par>
+                            </p:childTnLst>
+                          </p:cTn>
+                        </p:par>
+                      </p:childTnLst>
+                    </p:cTn>
+                  </p:par>
+                </p:childTnLst>
+              </p:cTn>
+              <p:prevCondLst>
+                <p:cond evt="onPrev" delay="0">
+                  <p:tgtEl>
+                    <p:sldTgt/>
+                  </p:tgtEl>
+                </p:cond>
+              </p:prevCondLst>
+              <p:nextCondLst>
+                <p:cond evt="onNext" delay="0">
+                  <p:tgtEl>
+                    <p:sldTgt/>
+                  </p:tgtEl>
+                </p:cond>
+              </p:nextCondLst>
+            </p:seq>
+            <p:seq concurrent="1" nextAc="seek">
+              <p:cTn id="7" restart="whenNotActive" fill="hold" evtFilter="cancelBubble" nodeType="interactiveSeq">
+                <p:stCondLst>
+                  <p:cond evt="onClick" delay="0">
+                    <p:tgtEl>
+                      <p:spTgt spid="4"/>
+                    </p:tgtEl>
+                  </p:cond>
+                </p:stCondLst>
+                <p:endSync evt="end" delay="0">
+                  <p:rtn val="all"/>
+                </p:endSync>
+                <p:childTnLst>
+                  <p:par>
+                    <p:cTn id="8" fill="hold">
+                      <p:stCondLst>
+                        <p:cond delay="0"/>
+                      </p:stCondLst>
+                      <p:childTnLst>
+                        <p:par>
+                          <p:cTn id="9" fill="hold">
+                            <p:stCondLst>
+                              <p:cond delay="0"/>
+                            </p:stCondLst>
+                            <p:childTnLst>
+                              <p:par>
+                                <p:cTn id="10" presetID="2" presetClass="mediacall" presetSubtype="0" fill="hold" nodeType="clickEffect">
+                                  <p:stCondLst>
+                                    <p:cond delay="0"/>
+                                  </p:stCondLst>
+                                  <p:childTnLst>
+                                    <p:cmd type="call" cmd="togglePause">
+                                      <p:cBhvr>
+                                        <p:cTn id="11" dur="1" fill="hold"/>
+                                        <p:tgtEl>
+                                          <p:spTgt spid="4"/>
+                                        </p:tgtEl>
+                                      </p:cBhvr>
+                                    </p:cmd>
+                                  </p:childTnLst>
+                                </p:cTn>
+                              </p:par>
+                            </p:childTnLst>
+                          </p:cTn>
+                        </p:par>
+                      </p:childTnLst>
+                    </p:cTn>
+                  </p:par>
+                </p:childTnLst>
+              </p:cTn>
+              <p:nextCondLst>
+                <p:cond evt="onClick" delay="0">
+                  <p:tgtEl>
+                    <p:spTgt spid="4"/>
+                  </p:tgtEl>
+                </p:cond>
+              </p:nextCondLst>
+            </p:seq>
+            <p:video>
+              <p:cMediaNode vol="80000">
+                <p:cTn id="12" fill="hold" display="0">
+                  <p:stCondLst>
+                    <p:cond delay="indefinite"/>
+                  </p:stCondLst>
+                </p:cTn>
+                <p:tgtEl>
+                  <p:spTgt spid="4"/>
+                </p:tgtEl>
+              </p:cMediaNode>
+            </p:video>
+          </p:childTnLst>
+        </p:cTn>
+      </p:par>
+    </p:tnLst>
+  </p:timing>
+</p:sld>
+</file>
+
+<file path=ppt/slides/slide11.xml><?xml version="1.0" encoding="utf-8"?>
+<p:sld xmlns:a="http://schemas.openxmlformats.org/drawingml/2006/main" xmlns:r="http://schemas.openxmlformats.org/officeDocument/2006/relationships" xmlns:p="http://schemas.openxmlformats.org/presentationml/2006/main">
+  <p:cSld>
+    <p:bg>
+      <p:bgPr>
+        <a:solidFill>
+          <a:schemeClr val="accent1">
+            <a:lumMod val="75000"/>
+          </a:schemeClr>
+        </a:solidFill>
+        <a:effectLst/>
+      </p:bgPr>
+    </p:bg>
+    <p:spTree>
+      <p:nvGrpSpPr>
+        <p:cNvPr id="1" name=""/>
+        <p:cNvGrpSpPr/>
+        <p:nvPr/>
+      </p:nvGrpSpPr>
+      <p:grpSpPr>
+        <a:xfrm>
+          <a:off x="0" y="0"/>
+          <a:ext cx="0" cy="0"/>
+          <a:chOff x="0" y="0"/>
+          <a:chExt cx="0" cy="0"/>
+        </a:xfrm>
+      </p:grpSpPr>
+      <p:sp>
+        <p:nvSpPr>
+          <p:cNvPr id="6" name="Title 5">
+            <a:extLst>
+              <a:ext uri="{FF2B5EF4-FFF2-40B4-BE49-F238E27FC236}">
+                <a16:creationId xmlns:a16="http://schemas.microsoft.com/office/drawing/2014/main" id="{F5A10964-9D56-B7C4-C9F9-71789FA3ACDF}"/>
+              </a:ext>
+            </a:extLst>
+          </p:cNvPr>
+          <p:cNvSpPr>
+            <a:spLocks noGrp="1"/>
+          </p:cNvSpPr>
+          <p:nvPr>
+            <p:ph type="title"/>
+          </p:nvPr>
+        </p:nvSpPr>
+        <p:spPr/>
+        <p:txBody>
+          <a:bodyPr anchor="ctr">
+            <a:normAutofit/>
+          </a:bodyPr>
+          <a:lstStyle/>
+          <a:p>
+            <a:r>
+              <a:rPr lang="en-US" sz="5200" dirty="0">
+                <a:solidFill>
+                  <a:schemeClr val="bg1"/>
+                </a:solidFill>
+                <a:latin typeface="Microsoft YaHei" panose="020B0503020204020204" pitchFamily="34" charset="-122"/>
+                <a:ea typeface="Microsoft YaHei" panose="020B0503020204020204" pitchFamily="34" charset="-122"/>
+              </a:rPr>
+              <a:t>How To Use</a:t>
+            </a:r>
+          </a:p>
+        </p:txBody>
+      </p:sp>
+      <p:sp>
+        <p:nvSpPr>
+          <p:cNvPr id="2" name="Content Placeholder 1">
+            <a:extLst>
+              <a:ext uri="{FF2B5EF4-FFF2-40B4-BE49-F238E27FC236}">
+                <a16:creationId xmlns:a16="http://schemas.microsoft.com/office/drawing/2014/main" id="{48B14325-74E1-478D-EE2D-1908FB6C57EA}"/>
+              </a:ext>
+            </a:extLst>
+          </p:cNvPr>
+          <p:cNvSpPr>
+            <a:spLocks noGrp="1"/>
+          </p:cNvSpPr>
+          <p:nvPr>
+            <p:ph sz="half" idx="1"/>
+          </p:nvPr>
+        </p:nvSpPr>
+        <p:spPr/>
+        <p:txBody>
+          <a:bodyPr/>
+          <a:lstStyle/>
+          <a:p>
+            <a:r>
+              <a:rPr lang="en-US" sz="2000" u="sng" dirty="0">
+                <a:solidFill>
+                  <a:srgbClr val="F5EC00"/>
+                </a:solidFill>
+              </a:rPr>
+              <a:t>Weekly Check-ins</a:t>
+            </a:r>
+          </a:p>
+          <a:p>
+            <a:r>
+              <a:rPr lang="en-US" sz="2000" dirty="0"/>
+              <a:t>Simulated Team Experiences</a:t>
+            </a:r>
+          </a:p>
+          <a:p>
+            <a:r>
+              <a:rPr lang="en-US" sz="2000" dirty="0"/>
+              <a:t>Bingo! Learning</a:t>
+            </a:r>
+          </a:p>
+          <a:p>
+            <a:r>
+              <a:rPr lang="en-US" sz="2000" dirty="0"/>
+              <a:t>Iterative Assignments</a:t>
+            </a:r>
+          </a:p>
+          <a:p>
+            <a:r>
+              <a:rPr lang="en-US" sz="2000" dirty="0"/>
+              <a:t>See a video</a:t>
+            </a:r>
+            <a:endParaRPr lang="en-US" dirty="0"/>
+          </a:p>
+        </p:txBody>
+      </p:sp>
+      <p:sp>
+        <p:nvSpPr>
+          <p:cNvPr id="3" name="Oval 2">
+            <a:hlinkClick r:id="rId2" action="ppaction://hlinksldjump"/>
+            <a:extLst>
+              <a:ext uri="{FF2B5EF4-FFF2-40B4-BE49-F238E27FC236}">
+                <a16:creationId xmlns:a16="http://schemas.microsoft.com/office/drawing/2014/main" id="{2C942AED-73B2-52E2-6B5A-B5D1F184BD0C}"/>
+              </a:ext>
+            </a:extLst>
+          </p:cNvPr>
+          <p:cNvSpPr/>
+          <p:nvPr/>
+        </p:nvSpPr>
+        <p:spPr>
+          <a:xfrm>
+            <a:off x="2200547" y="3862447"/>
+            <a:ext cx="1100831" cy="1083076"/>
+          </a:xfrm>
+          <a:prstGeom prst="ellipse">
+            <a:avLst/>
+          </a:prstGeom>
+          <a:noFill/>
+          <a:ln>
+            <a:noFill/>
+          </a:ln>
+        </p:spPr>
+        <p:style>
+          <a:lnRef idx="2">
+            <a:schemeClr val="accent1">
+              <a:shade val="50000"/>
+            </a:schemeClr>
+          </a:lnRef>
+          <a:fillRef idx="1">
+            <a:schemeClr val="accent1"/>
+          </a:fillRef>
+          <a:effectRef idx="0">
+            <a:schemeClr val="accent1"/>
+          </a:effectRef>
+          <a:fontRef idx="minor">
+            <a:schemeClr val="lt1"/>
+          </a:fontRef>
+        </p:style>
+        <p:txBody>
+          <a:bodyPr rtlCol="0" anchor="ctr"/>
+          <a:lstStyle/>
+          <a:p>
+            <a:pPr algn="ctr"/>
+            <a:endParaRPr lang="en-US"/>
+          </a:p>
+        </p:txBody>
+      </p:sp>
+      <p:sp>
+        <p:nvSpPr>
+          <p:cNvPr id="7" name="Oval 6">
+            <a:hlinkClick r:id="rId3" action="ppaction://hlinksldjump"/>
+            <a:extLst>
+              <a:ext uri="{FF2B5EF4-FFF2-40B4-BE49-F238E27FC236}">
+                <a16:creationId xmlns:a16="http://schemas.microsoft.com/office/drawing/2014/main" id="{04C78F41-60CA-4189-2C3F-DB00209D5518}"/>
+              </a:ext>
+            </a:extLst>
+          </p:cNvPr>
+          <p:cNvSpPr/>
+          <p:nvPr/>
+        </p:nvSpPr>
+        <p:spPr>
+          <a:xfrm>
+            <a:off x="1367160" y="2457703"/>
+            <a:ext cx="1100831" cy="1083076"/>
+          </a:xfrm>
+          <a:prstGeom prst="ellipse">
+            <a:avLst/>
+          </a:prstGeom>
+          <a:noFill/>
+          <a:ln>
+            <a:noFill/>
+          </a:ln>
+        </p:spPr>
+        <p:style>
+          <a:lnRef idx="2">
+            <a:schemeClr val="accent1">
+              <a:shade val="50000"/>
+            </a:schemeClr>
+          </a:lnRef>
+          <a:fillRef idx="1">
+            <a:schemeClr val="accent1"/>
+          </a:fillRef>
+          <a:effectRef idx="0">
+            <a:schemeClr val="accent1"/>
+          </a:effectRef>
+          <a:fontRef idx="minor">
+            <a:schemeClr val="lt1"/>
+          </a:fontRef>
+        </p:style>
+        <p:txBody>
+          <a:bodyPr rtlCol="0" anchor="ctr"/>
+          <a:lstStyle/>
+          <a:p>
+            <a:pPr algn="ctr"/>
+            <a:endParaRPr lang="en-US"/>
+          </a:p>
+        </p:txBody>
+      </p:sp>
+      <p:pic>
+        <p:nvPicPr>
+          <p:cNvPr id="8" name="Picture 7" descr="A group of colorful circles on a black background&#10;&#10;Description automatically generated">
+            <a:extLst>
+              <a:ext uri="{FF2B5EF4-FFF2-40B4-BE49-F238E27FC236}">
+                <a16:creationId xmlns:a16="http://schemas.microsoft.com/office/drawing/2014/main" id="{58BC4062-96DD-BAAC-6008-A8657B1F5DB0}"/>
+              </a:ext>
+            </a:extLst>
+          </p:cNvPr>
+          <p:cNvPicPr>
+            <a:picLocks noChangeAspect="1"/>
+          </p:cNvPicPr>
+          <p:nvPr/>
+        </p:nvPicPr>
+        <p:blipFill>
+          <a:blip r:embed="rId4"/>
+          <a:stretch>
+            <a:fillRect/>
+          </a:stretch>
+        </p:blipFill>
+        <p:spPr>
+          <a:xfrm rot="2386016">
+            <a:off x="9026905" y="168174"/>
+            <a:ext cx="3180589" cy="3241287"/>
+          </a:xfrm>
+          <a:prstGeom prst="rect">
+            <a:avLst/>
+          </a:prstGeom>
+        </p:spPr>
+      </p:pic>
+      <p:sp>
+        <p:nvSpPr>
+          <p:cNvPr id="18" name="Oval 17">
+            <a:hlinkClick r:id="rId3" action="ppaction://hlinksldjump"/>
+            <a:extLst>
+              <a:ext uri="{FF2B5EF4-FFF2-40B4-BE49-F238E27FC236}">
+                <a16:creationId xmlns:a16="http://schemas.microsoft.com/office/drawing/2014/main" id="{50772660-0BBE-7BE9-C36F-7ACA33C163EF}"/>
+              </a:ext>
+            </a:extLst>
+          </p:cNvPr>
+          <p:cNvSpPr/>
+          <p:nvPr/>
+        </p:nvSpPr>
+        <p:spPr>
+          <a:xfrm>
+            <a:off x="10315640" y="88360"/>
+            <a:ext cx="1088450" cy="887920"/>
+          </a:xfrm>
+          <a:prstGeom prst="ellipse">
+            <a:avLst/>
+          </a:prstGeom>
+          <a:noFill/>
+          <a:ln>
+            <a:noFill/>
+          </a:ln>
+        </p:spPr>
+        <p:style>
+          <a:lnRef idx="2">
+            <a:schemeClr val="accent1">
+              <a:shade val="50000"/>
+            </a:schemeClr>
+          </a:lnRef>
+          <a:fillRef idx="1">
+            <a:schemeClr val="accent1"/>
+          </a:fillRef>
+          <a:effectRef idx="0">
+            <a:schemeClr val="accent1"/>
+          </a:effectRef>
+          <a:fontRef idx="minor">
+            <a:schemeClr val="lt1"/>
+          </a:fontRef>
+        </p:style>
+        <p:txBody>
+          <a:bodyPr rtlCol="0" anchor="ctr"/>
+          <a:lstStyle/>
+          <a:p>
+            <a:pPr algn="ctr"/>
+            <a:endParaRPr lang="en-US" dirty="0"/>
+          </a:p>
+        </p:txBody>
+      </p:sp>
+      <p:sp>
+        <p:nvSpPr>
+          <p:cNvPr id="19" name="Oval 18">
+            <a:hlinkClick r:id="rId5" action="ppaction://hlinksldjump"/>
+            <a:extLst>
+              <a:ext uri="{FF2B5EF4-FFF2-40B4-BE49-F238E27FC236}">
+                <a16:creationId xmlns:a16="http://schemas.microsoft.com/office/drawing/2014/main" id="{5D378978-6440-0D1A-3A0E-6596990EAF62}"/>
+              </a:ext>
+            </a:extLst>
+          </p:cNvPr>
+          <p:cNvSpPr/>
+          <p:nvPr/>
+        </p:nvSpPr>
+        <p:spPr>
+          <a:xfrm>
+            <a:off x="11165534" y="976280"/>
+            <a:ext cx="924866" cy="861486"/>
+          </a:xfrm>
+          <a:prstGeom prst="ellipse">
+            <a:avLst/>
+          </a:prstGeom>
+          <a:noFill/>
+          <a:ln>
+            <a:noFill/>
+          </a:ln>
+        </p:spPr>
+        <p:style>
+          <a:lnRef idx="2">
+            <a:schemeClr val="accent1">
+              <a:shade val="50000"/>
+            </a:schemeClr>
+          </a:lnRef>
+          <a:fillRef idx="1">
+            <a:schemeClr val="accent1"/>
+          </a:fillRef>
+          <a:effectRef idx="0">
+            <a:schemeClr val="accent1"/>
+          </a:effectRef>
+          <a:fontRef idx="minor">
+            <a:schemeClr val="lt1"/>
+          </a:fontRef>
+        </p:style>
+        <p:txBody>
+          <a:bodyPr rtlCol="0" anchor="ctr"/>
+          <a:lstStyle/>
+          <a:p>
+            <a:pPr algn="ctr"/>
+            <a:endParaRPr lang="en-US" dirty="0"/>
+          </a:p>
+        </p:txBody>
+      </p:sp>
+      <p:sp>
+        <p:nvSpPr>
+          <p:cNvPr id="20" name="Oval 19">
+            <a:hlinkClick r:id="rId6" action="ppaction://hlinksldjump"/>
+            <a:extLst>
+              <a:ext uri="{FF2B5EF4-FFF2-40B4-BE49-F238E27FC236}">
+                <a16:creationId xmlns:a16="http://schemas.microsoft.com/office/drawing/2014/main" id="{F9EFDFE8-E536-4635-0317-DA32D36D1854}"/>
+              </a:ext>
+            </a:extLst>
+          </p:cNvPr>
+          <p:cNvSpPr/>
+          <p:nvPr/>
+        </p:nvSpPr>
+        <p:spPr>
+          <a:xfrm>
+            <a:off x="10990559" y="2426713"/>
+            <a:ext cx="805363" cy="761136"/>
+          </a:xfrm>
+          <a:prstGeom prst="ellipse">
+            <a:avLst/>
+          </a:prstGeom>
+          <a:noFill/>
+          <a:ln>
+            <a:noFill/>
+          </a:ln>
+        </p:spPr>
+        <p:style>
+          <a:lnRef idx="2">
+            <a:schemeClr val="accent1">
+              <a:shade val="50000"/>
+            </a:schemeClr>
+          </a:lnRef>
+          <a:fillRef idx="1">
+            <a:schemeClr val="accent1"/>
+          </a:fillRef>
+          <a:effectRef idx="0">
+            <a:schemeClr val="accent1"/>
+          </a:effectRef>
+          <a:fontRef idx="minor">
+            <a:schemeClr val="lt1"/>
+          </a:fontRef>
+        </p:style>
+        <p:txBody>
+          <a:bodyPr rtlCol="0" anchor="ctr"/>
+          <a:lstStyle/>
+          <a:p>
+            <a:pPr algn="ctr"/>
+            <a:endParaRPr lang="en-US" dirty="0"/>
+          </a:p>
+        </p:txBody>
+      </p:sp>
+      <p:sp>
+        <p:nvSpPr>
+          <p:cNvPr id="21" name="Oval 20">
+            <a:hlinkClick r:id="rId7" action="ppaction://hlinksldjump"/>
+            <a:extLst>
+              <a:ext uri="{FF2B5EF4-FFF2-40B4-BE49-F238E27FC236}">
+                <a16:creationId xmlns:a16="http://schemas.microsoft.com/office/drawing/2014/main" id="{82451A66-03DD-8C40-CB42-ACC84CC4D4BA}"/>
+              </a:ext>
+            </a:extLst>
+          </p:cNvPr>
+          <p:cNvSpPr/>
+          <p:nvPr/>
+        </p:nvSpPr>
+        <p:spPr>
+          <a:xfrm>
+            <a:off x="10120537" y="2667864"/>
+            <a:ext cx="805363" cy="761136"/>
+          </a:xfrm>
+          <a:prstGeom prst="ellipse">
+            <a:avLst/>
+          </a:prstGeom>
+          <a:noFill/>
+          <a:ln>
+            <a:noFill/>
+          </a:ln>
+        </p:spPr>
+        <p:style>
+          <a:lnRef idx="2">
+            <a:schemeClr val="accent1">
+              <a:shade val="50000"/>
+            </a:schemeClr>
+          </a:lnRef>
+          <a:fillRef idx="1">
+            <a:schemeClr val="accent1"/>
+          </a:fillRef>
+          <a:effectRef idx="0">
+            <a:schemeClr val="accent1"/>
+          </a:effectRef>
+          <a:fontRef idx="minor">
+            <a:schemeClr val="lt1"/>
+          </a:fontRef>
+        </p:style>
+        <p:txBody>
+          <a:bodyPr rtlCol="0" anchor="ctr"/>
+          <a:lstStyle/>
+          <a:p>
+            <a:pPr algn="ctr"/>
+            <a:endParaRPr lang="en-US" dirty="0"/>
+          </a:p>
+        </p:txBody>
+      </p:sp>
+      <p:sp>
+        <p:nvSpPr>
+          <p:cNvPr id="22" name="TextBox 21">
+            <a:extLst>
+              <a:ext uri="{FF2B5EF4-FFF2-40B4-BE49-F238E27FC236}">
+                <a16:creationId xmlns:a16="http://schemas.microsoft.com/office/drawing/2014/main" id="{3831D527-7511-7CB6-B90C-15D707EFE93C}"/>
+              </a:ext>
+            </a:extLst>
+          </p:cNvPr>
+          <p:cNvSpPr txBox="1"/>
+          <p:nvPr/>
+        </p:nvSpPr>
+        <p:spPr>
+          <a:xfrm>
+            <a:off x="10213499" y="1709073"/>
+            <a:ext cx="924867" cy="400110"/>
+          </a:xfrm>
+          <a:prstGeom prst="rect">
+            <a:avLst/>
+          </a:prstGeom>
+          <a:noFill/>
+        </p:spPr>
+        <p:txBody>
+          <a:bodyPr wrap="square" rtlCol="0">
+            <a:spAutoFit/>
+          </a:bodyPr>
+          <a:lstStyle/>
+          <a:p>
+            <a:r>
+              <a:rPr lang="en-US" sz="2000" dirty="0">
+                <a:solidFill>
+                  <a:schemeClr val="bg1"/>
+                </a:solidFill>
+              </a:rPr>
+              <a:t>LOGIN</a:t>
+            </a:r>
+          </a:p>
+        </p:txBody>
+      </p:sp>
+      <p:pic>
+        <p:nvPicPr>
+          <p:cNvPr id="11" name="Picture 10" descr="A screenshot of a computer&#10;&#10;Description automatically generated">
+            <a:extLst>
+              <a:ext uri="{FF2B5EF4-FFF2-40B4-BE49-F238E27FC236}">
+                <a16:creationId xmlns:a16="http://schemas.microsoft.com/office/drawing/2014/main" id="{B4A96424-05DF-CF26-E161-7FF28FC8D741}"/>
+              </a:ext>
+            </a:extLst>
+          </p:cNvPr>
+          <p:cNvPicPr>
+            <a:picLocks noChangeAspect="1"/>
+          </p:cNvPicPr>
+          <p:nvPr/>
+        </p:nvPicPr>
+        <p:blipFill>
+          <a:blip r:embed="rId8"/>
+          <a:stretch>
+            <a:fillRect/>
+          </a:stretch>
+        </p:blipFill>
+        <p:spPr>
+          <a:xfrm>
+            <a:off x="5217637" y="3495223"/>
+            <a:ext cx="4521200" cy="2681740"/>
+          </a:xfrm>
+          <a:prstGeom prst="rect">
+            <a:avLst/>
+          </a:prstGeom>
+        </p:spPr>
+      </p:pic>
+      <p:sp>
+        <p:nvSpPr>
+          <p:cNvPr id="12" name="TextBox 11">
+            <a:extLst>
+              <a:ext uri="{FF2B5EF4-FFF2-40B4-BE49-F238E27FC236}">
+                <a16:creationId xmlns:a16="http://schemas.microsoft.com/office/drawing/2014/main" id="{9189CFCC-AF35-FDD6-A3C2-EB14EBEC63A9}"/>
+              </a:ext>
+            </a:extLst>
+          </p:cNvPr>
+          <p:cNvSpPr txBox="1"/>
+          <p:nvPr/>
+        </p:nvSpPr>
+        <p:spPr>
+          <a:xfrm>
+            <a:off x="7811530" y="3227510"/>
+            <a:ext cx="3031378" cy="1477328"/>
+          </a:xfrm>
+          <a:prstGeom prst="rect">
+            <a:avLst/>
+          </a:prstGeom>
+          <a:solidFill>
+            <a:srgbClr val="A5A5A5">
+              <a:alpha val="47843"/>
+            </a:srgbClr>
+          </a:solidFill>
+        </p:spPr>
+        <p:txBody>
+          <a:bodyPr wrap="square" rtlCol="0">
+            <a:spAutoFit/>
+          </a:bodyPr>
+          <a:lstStyle>
+            <a:defPPr>
+              <a:defRPr lang="en-US"/>
+            </a:defPPr>
+            <a:lvl1pPr>
+              <a:defRPr>
+                <a:solidFill>
+                  <a:schemeClr val="bg1"/>
+                </a:solidFill>
+              </a:defRPr>
+            </a:lvl1pPr>
+          </a:lstStyle>
+          <a:p>
+            <a:r>
+              <a:rPr lang="en-US" dirty="0"/>
+              <a:t>Students: slide the bar to match the amount of effort you think each person contributed and write a comment if necessary </a:t>
+            </a:r>
+          </a:p>
+        </p:txBody>
+      </p:sp>
+      <p:sp>
+        <p:nvSpPr>
+          <p:cNvPr id="13" name="Right Arrow 12">
+            <a:extLst>
+              <a:ext uri="{FF2B5EF4-FFF2-40B4-BE49-F238E27FC236}">
+                <a16:creationId xmlns:a16="http://schemas.microsoft.com/office/drawing/2014/main" id="{408F557E-662F-7923-C3DC-7460C0FA9528}"/>
+              </a:ext>
+            </a:extLst>
+          </p:cNvPr>
+          <p:cNvSpPr/>
+          <p:nvPr/>
+        </p:nvSpPr>
+        <p:spPr>
+          <a:xfrm rot="2325111">
+            <a:off x="6515728" y="2318339"/>
+            <a:ext cx="1190395" cy="934445"/>
+          </a:xfrm>
+          <a:prstGeom prst="rightArrow">
+            <a:avLst/>
+          </a:prstGeom>
+        </p:spPr>
+        <p:style>
+          <a:lnRef idx="2">
+            <a:schemeClr val="accent1">
+              <a:shade val="50000"/>
+            </a:schemeClr>
+          </a:lnRef>
+          <a:fillRef idx="1">
+            <a:schemeClr val="accent1"/>
+          </a:fillRef>
+          <a:effectRef idx="0">
+            <a:schemeClr val="accent1"/>
+          </a:effectRef>
+          <a:fontRef idx="minor">
+            <a:schemeClr val="lt1"/>
+          </a:fontRef>
+        </p:style>
+        <p:txBody>
+          <a:bodyPr rtlCol="0" anchor="ctr"/>
+          <a:lstStyle/>
+          <a:p>
+            <a:pPr algn="ctr"/>
+            <a:endParaRPr lang="en-US"/>
+          </a:p>
+        </p:txBody>
+      </p:sp>
+      <p:sp>
+        <p:nvSpPr>
+          <p:cNvPr id="14" name="TextBox 13">
+            <a:extLst>
+              <a:ext uri="{FF2B5EF4-FFF2-40B4-BE49-F238E27FC236}">
+                <a16:creationId xmlns:a16="http://schemas.microsoft.com/office/drawing/2014/main" id="{F7405EE7-355D-0CA4-1995-5A56107B0E1B}"/>
+              </a:ext>
+            </a:extLst>
+          </p:cNvPr>
+          <p:cNvSpPr txBox="1"/>
+          <p:nvPr/>
+        </p:nvSpPr>
+        <p:spPr>
+          <a:xfrm>
+            <a:off x="5309959" y="753912"/>
+            <a:ext cx="3031378" cy="1477328"/>
+          </a:xfrm>
+          <a:prstGeom prst="rect">
+            <a:avLst/>
+          </a:prstGeom>
+          <a:solidFill>
+            <a:srgbClr val="A5A5A5">
+              <a:alpha val="47843"/>
+            </a:srgbClr>
+          </a:solidFill>
+        </p:spPr>
+        <p:txBody>
+          <a:bodyPr wrap="square" rtlCol="0">
+            <a:spAutoFit/>
+          </a:bodyPr>
+          <a:lstStyle>
+            <a:defPPr>
+              <a:defRPr lang="en-US"/>
+            </a:defPPr>
+            <a:lvl1pPr>
+              <a:defRPr>
+                <a:solidFill>
+                  <a:schemeClr val="bg1"/>
+                </a:solidFill>
+              </a:defRPr>
+            </a:lvl1pPr>
+          </a:lstStyle>
+          <a:p>
+            <a:pPr marL="285750" indent="-285750" algn="ctr">
+              <a:buFontTx/>
+              <a:buChar char="-"/>
+            </a:pPr>
+            <a:r>
+              <a:rPr lang="en-US" u="sng" dirty="0">
+                <a:solidFill>
+                  <a:schemeClr val="bg2">
+                    <a:lumMod val="25000"/>
+                  </a:schemeClr>
+                </a:solidFill>
+              </a:rPr>
+              <a:t>Students</a:t>
+            </a:r>
+            <a:r>
+              <a:rPr lang="en-US" dirty="0"/>
+              <a:t> receive a weekly reminder to input information about their week working with their group</a:t>
+            </a:r>
+          </a:p>
+        </p:txBody>
+      </p:sp>
+    </p:spTree>
+    <p:extLst>
+      <p:ext uri="{BB962C8B-B14F-4D97-AF65-F5344CB8AC3E}">
+        <p14:creationId xmlns:p14="http://schemas.microsoft.com/office/powerpoint/2010/main" val="4091447413"/>
+      </p:ext>
+    </p:extLst>
+  </p:cSld>
+  <p:clrMapOvr>
+    <a:masterClrMapping/>
+  </p:clrMapOvr>
+  <mc:AlternateContent xmlns:mc="http://schemas.openxmlformats.org/markup-compatibility/2006">
+    <mc:Choice xmlns:p159="http://schemas.microsoft.com/office/powerpoint/2015/09/main" Requires="p159">
+      <p:transition xmlns:p14="http://schemas.microsoft.com/office/powerpoint/2010/main" spd="slow" p14:dur="2000">
+        <p159:morph option="byObject"/>
+      </p:transition>
+    </mc:Choice>
+    <mc:Fallback>
+      <p:transition spd="slow">
+        <p:fade/>
+      </p:transition>
+    </mc:Fallback>
+  </mc:AlternateContent>
+</p:sld>
+</file>
+
+<file path=ppt/slides/slide12.xml><?xml version="1.0" encoding="utf-8"?>
+<p:sld xmlns:a="http://schemas.openxmlformats.org/drawingml/2006/main" xmlns:r="http://schemas.openxmlformats.org/officeDocument/2006/relationships" xmlns:p="http://schemas.openxmlformats.org/presentationml/2006/main">
+  <p:cSld>
+    <p:bg>
+      <p:bgPr>
+        <a:solidFill>
+          <a:schemeClr val="accent1">
+            <a:lumMod val="75000"/>
+          </a:schemeClr>
+        </a:solidFill>
+        <a:effectLst/>
+      </p:bgPr>
+    </p:bg>
+    <p:spTree>
+      <p:nvGrpSpPr>
+        <p:cNvPr id="1" name=""/>
+        <p:cNvGrpSpPr/>
+        <p:nvPr/>
+      </p:nvGrpSpPr>
+      <p:grpSpPr>
+        <a:xfrm>
+          <a:off x="0" y="0"/>
+          <a:ext cx="0" cy="0"/>
+          <a:chOff x="0" y="0"/>
+          <a:chExt cx="0" cy="0"/>
+        </a:xfrm>
+      </p:grpSpPr>
+      <p:sp>
+        <p:nvSpPr>
+          <p:cNvPr id="6" name="Title 5">
+            <a:extLst>
+              <a:ext uri="{FF2B5EF4-FFF2-40B4-BE49-F238E27FC236}">
+                <a16:creationId xmlns:a16="http://schemas.microsoft.com/office/drawing/2014/main" id="{F5A10964-9D56-B7C4-C9F9-71789FA3ACDF}"/>
+              </a:ext>
+            </a:extLst>
+          </p:cNvPr>
+          <p:cNvSpPr>
+            <a:spLocks noGrp="1"/>
+          </p:cNvSpPr>
+          <p:nvPr>
+            <p:ph type="title"/>
+          </p:nvPr>
+        </p:nvSpPr>
+        <p:spPr>
+          <a:xfrm>
+            <a:off x="6729881" y="0"/>
+            <a:ext cx="10515600" cy="1505883"/>
+          </a:xfrm>
+        </p:spPr>
+        <p:txBody>
+          <a:bodyPr anchor="ctr">
+            <a:normAutofit/>
+          </a:bodyPr>
+          <a:lstStyle/>
+          <a:p>
+            <a:r>
+              <a:rPr lang="en-US" sz="5200" dirty="0">
+                <a:solidFill>
+                  <a:schemeClr val="bg1"/>
+                </a:solidFill>
+                <a:latin typeface="Microsoft YaHei" panose="020B0503020204020204" pitchFamily="34" charset="-122"/>
+                <a:ea typeface="Microsoft YaHei" panose="020B0503020204020204" pitchFamily="34" charset="-122"/>
+              </a:rPr>
+              <a:t>Target Audience</a:t>
+            </a:r>
+          </a:p>
+        </p:txBody>
+      </p:sp>
+      <p:sp>
+        <p:nvSpPr>
+          <p:cNvPr id="3" name="Oval 2">
+            <a:hlinkClick r:id="rId2" action="ppaction://hlinksldjump"/>
+            <a:extLst>
+              <a:ext uri="{FF2B5EF4-FFF2-40B4-BE49-F238E27FC236}">
+                <a16:creationId xmlns:a16="http://schemas.microsoft.com/office/drawing/2014/main" id="{2C942AED-73B2-52E2-6B5A-B5D1F184BD0C}"/>
+              </a:ext>
+            </a:extLst>
+          </p:cNvPr>
+          <p:cNvSpPr/>
+          <p:nvPr/>
+        </p:nvSpPr>
+        <p:spPr>
+          <a:xfrm>
+            <a:off x="2200547" y="3862447"/>
+            <a:ext cx="1100831" cy="1083076"/>
+          </a:xfrm>
+          <a:prstGeom prst="ellipse">
+            <a:avLst/>
+          </a:prstGeom>
+          <a:noFill/>
+          <a:ln>
+            <a:noFill/>
+          </a:ln>
+        </p:spPr>
+        <p:style>
+          <a:lnRef idx="2">
+            <a:schemeClr val="accent1">
+              <a:shade val="50000"/>
+            </a:schemeClr>
+          </a:lnRef>
+          <a:fillRef idx="1">
+            <a:schemeClr val="accent1"/>
+          </a:fillRef>
+          <a:effectRef idx="0">
+            <a:schemeClr val="accent1"/>
+          </a:effectRef>
+          <a:fontRef idx="minor">
+            <a:schemeClr val="lt1"/>
+          </a:fontRef>
+        </p:style>
+        <p:txBody>
+          <a:bodyPr rtlCol="0" anchor="ctr"/>
+          <a:lstStyle/>
+          <a:p>
+            <a:pPr algn="ctr"/>
+            <a:endParaRPr lang="en-US"/>
+          </a:p>
+        </p:txBody>
+      </p:sp>
+      <p:sp>
+        <p:nvSpPr>
+          <p:cNvPr id="7" name="Oval 6">
+            <a:hlinkClick r:id="rId3" action="ppaction://hlinksldjump"/>
+            <a:extLst>
+              <a:ext uri="{FF2B5EF4-FFF2-40B4-BE49-F238E27FC236}">
+                <a16:creationId xmlns:a16="http://schemas.microsoft.com/office/drawing/2014/main" id="{04C78F41-60CA-4189-2C3F-DB00209D5518}"/>
+              </a:ext>
+            </a:extLst>
+          </p:cNvPr>
+          <p:cNvSpPr/>
+          <p:nvPr/>
+        </p:nvSpPr>
+        <p:spPr>
+          <a:xfrm>
+            <a:off x="1367160" y="2457703"/>
+            <a:ext cx="1100831" cy="1083076"/>
+          </a:xfrm>
+          <a:prstGeom prst="ellipse">
+            <a:avLst/>
+          </a:prstGeom>
+          <a:noFill/>
+          <a:ln>
+            <a:noFill/>
+          </a:ln>
+        </p:spPr>
+        <p:style>
+          <a:lnRef idx="2">
+            <a:schemeClr val="accent1">
+              <a:shade val="50000"/>
+            </a:schemeClr>
+          </a:lnRef>
+          <a:fillRef idx="1">
+            <a:schemeClr val="accent1"/>
+          </a:fillRef>
+          <a:effectRef idx="0">
+            <a:schemeClr val="accent1"/>
+          </a:effectRef>
+          <a:fontRef idx="minor">
+            <a:schemeClr val="lt1"/>
+          </a:fontRef>
+        </p:style>
+        <p:txBody>
+          <a:bodyPr rtlCol="0" anchor="ctr"/>
+          <a:lstStyle/>
+          <a:p>
+            <a:pPr algn="ctr"/>
+            <a:endParaRPr lang="en-US"/>
+          </a:p>
+        </p:txBody>
+      </p:sp>
+      <p:pic>
+        <p:nvPicPr>
+          <p:cNvPr id="8" name="Picture 7" descr="A group of colorful circles on a black background&#10;&#10;Description automatically generated">
+            <a:extLst>
+              <a:ext uri="{FF2B5EF4-FFF2-40B4-BE49-F238E27FC236}">
+                <a16:creationId xmlns:a16="http://schemas.microsoft.com/office/drawing/2014/main" id="{58BC4062-96DD-BAAC-6008-A8657B1F5DB0}"/>
+              </a:ext>
+            </a:extLst>
+          </p:cNvPr>
+          <p:cNvPicPr>
+            <a:picLocks noChangeAspect="1"/>
+          </p:cNvPicPr>
+          <p:nvPr/>
+        </p:nvPicPr>
+        <p:blipFill>
+          <a:blip r:embed="rId4"/>
+          <a:stretch>
+            <a:fillRect/>
+          </a:stretch>
+        </p:blipFill>
+        <p:spPr>
+          <a:xfrm rot="3392034">
+            <a:off x="933977" y="213023"/>
+            <a:ext cx="3633969" cy="3703320"/>
+          </a:xfrm>
+          <a:prstGeom prst="rect">
+            <a:avLst/>
+          </a:prstGeom>
+        </p:spPr>
+      </p:pic>
+      <p:sp>
+        <p:nvSpPr>
+          <p:cNvPr id="2" name="Oval 1">
+            <a:hlinkClick r:id="rId5" action="ppaction://hlinksldjump"/>
+            <a:extLst>
+              <a:ext uri="{FF2B5EF4-FFF2-40B4-BE49-F238E27FC236}">
+                <a16:creationId xmlns:a16="http://schemas.microsoft.com/office/drawing/2014/main" id="{6D79C235-762B-BF09-60FD-D5AD44888218}"/>
+              </a:ext>
+            </a:extLst>
+          </p:cNvPr>
+          <p:cNvSpPr/>
+          <p:nvPr/>
+        </p:nvSpPr>
+        <p:spPr>
+          <a:xfrm>
+            <a:off x="2467991" y="2453000"/>
+            <a:ext cx="6057900" cy="3250907"/>
+          </a:xfrm>
+          <a:prstGeom prst="ellipse">
+            <a:avLst/>
+          </a:prstGeom>
+          <a:solidFill>
+            <a:srgbClr val="FDAB00"/>
+          </a:solidFill>
+          <a:ln w="76200">
+            <a:solidFill>
+              <a:schemeClr val="tx1"/>
+            </a:solidFill>
+          </a:ln>
+        </p:spPr>
+        <p:style>
+          <a:lnRef idx="2">
+            <a:schemeClr val="accent1">
+              <a:shade val="50000"/>
+            </a:schemeClr>
+          </a:lnRef>
+          <a:fillRef idx="1">
+            <a:schemeClr val="accent1"/>
+          </a:fillRef>
+          <a:effectRef idx="0">
+            <a:schemeClr val="accent1"/>
+          </a:effectRef>
+          <a:fontRef idx="minor">
+            <a:schemeClr val="lt1"/>
+          </a:fontRef>
+        </p:style>
+        <p:txBody>
+          <a:bodyPr rtlCol="0" anchor="ctr"/>
+          <a:lstStyle/>
+          <a:p>
+            <a:pPr marL="342900" indent="-342900">
+              <a:buFont typeface="Arial" panose="020B0604020202020204" pitchFamily="34" charset="0"/>
+              <a:buChar char="•"/>
+            </a:pPr>
+            <a:r>
+              <a:rPr lang="en-US" sz="2400" b="1" dirty="0">
+                <a:solidFill>
+                  <a:schemeClr val="tx1"/>
+                </a:solidFill>
+              </a:rPr>
+              <a:t>Teachers</a:t>
+            </a:r>
+            <a:r>
+              <a:rPr lang="en-US" sz="2400" dirty="0">
+                <a:solidFill>
+                  <a:schemeClr val="tx1"/>
+                </a:solidFill>
+              </a:rPr>
+              <a:t> who want to help their students become strong team citizens.</a:t>
+            </a:r>
+          </a:p>
+          <a:p>
+            <a:pPr marL="342900" indent="-342900">
+              <a:buFont typeface="Arial" panose="020B0604020202020204" pitchFamily="34" charset="0"/>
+              <a:buChar char="•"/>
+            </a:pPr>
+            <a:r>
+              <a:rPr lang="en-US" sz="2400" b="1" dirty="0">
+                <a:solidFill>
+                  <a:schemeClr val="tx1"/>
+                </a:solidFill>
+              </a:rPr>
+              <a:t>Students</a:t>
+            </a:r>
+            <a:r>
+              <a:rPr lang="en-US" sz="2400" dirty="0">
+                <a:solidFill>
+                  <a:schemeClr val="tx1"/>
+                </a:solidFill>
+              </a:rPr>
+              <a:t> who want to have a smoother team experience.</a:t>
+            </a:r>
+          </a:p>
+        </p:txBody>
+      </p:sp>
+      <p:sp>
+        <p:nvSpPr>
+          <p:cNvPr id="4" name="Oval 3">
+            <a:hlinkClick r:id="rId3" action="ppaction://hlinksldjump"/>
+            <a:extLst>
+              <a:ext uri="{FF2B5EF4-FFF2-40B4-BE49-F238E27FC236}">
+                <a16:creationId xmlns:a16="http://schemas.microsoft.com/office/drawing/2014/main" id="{423271D4-4B49-6F59-FA3E-6F0F64BC4340}"/>
+              </a:ext>
+            </a:extLst>
+          </p:cNvPr>
+          <p:cNvSpPr/>
+          <p:nvPr/>
+        </p:nvSpPr>
+        <p:spPr>
+          <a:xfrm>
+            <a:off x="2854913" y="332814"/>
+            <a:ext cx="1239520" cy="1117600"/>
+          </a:xfrm>
+          <a:prstGeom prst="ellipse">
+            <a:avLst/>
+          </a:prstGeom>
+          <a:noFill/>
+          <a:ln>
+            <a:noFill/>
+          </a:ln>
+        </p:spPr>
+        <p:style>
+          <a:lnRef idx="2">
+            <a:schemeClr val="accent1">
+              <a:shade val="50000"/>
+            </a:schemeClr>
+          </a:lnRef>
+          <a:fillRef idx="1">
+            <a:schemeClr val="accent1"/>
+          </a:fillRef>
+          <a:effectRef idx="0">
+            <a:schemeClr val="accent1"/>
+          </a:effectRef>
+          <a:fontRef idx="minor">
+            <a:schemeClr val="lt1"/>
+          </a:fontRef>
+        </p:style>
+        <p:txBody>
+          <a:bodyPr rtlCol="0" anchor="ctr"/>
+          <a:lstStyle/>
+          <a:p>
+            <a:pPr algn="ctr"/>
+            <a:endParaRPr lang="en-US"/>
+          </a:p>
+        </p:txBody>
+      </p:sp>
+      <p:sp>
+        <p:nvSpPr>
+          <p:cNvPr id="9" name="Oval 8">
+            <a:hlinkClick r:id="rId6" action="ppaction://hlinksldjump"/>
+            <a:extLst>
+              <a:ext uri="{FF2B5EF4-FFF2-40B4-BE49-F238E27FC236}">
+                <a16:creationId xmlns:a16="http://schemas.microsoft.com/office/drawing/2014/main" id="{519A45DD-CE43-B5C3-4FFF-9FFE99ED8CF0}"/>
+              </a:ext>
+            </a:extLst>
+          </p:cNvPr>
+          <p:cNvSpPr/>
+          <p:nvPr/>
+        </p:nvSpPr>
+        <p:spPr>
+          <a:xfrm>
+            <a:off x="3495040" y="1505883"/>
+            <a:ext cx="1239520" cy="1117600"/>
+          </a:xfrm>
+          <a:prstGeom prst="ellipse">
+            <a:avLst/>
+          </a:prstGeom>
+          <a:noFill/>
+          <a:ln>
+            <a:noFill/>
+          </a:ln>
+        </p:spPr>
+        <p:style>
+          <a:lnRef idx="2">
+            <a:schemeClr val="accent1">
+              <a:shade val="50000"/>
+            </a:schemeClr>
+          </a:lnRef>
+          <a:fillRef idx="1">
+            <a:schemeClr val="accent1"/>
+          </a:fillRef>
+          <a:effectRef idx="0">
+            <a:schemeClr val="accent1"/>
+          </a:effectRef>
+          <a:fontRef idx="minor">
+            <a:schemeClr val="lt1"/>
+          </a:fontRef>
+        </p:style>
+        <p:txBody>
+          <a:bodyPr rtlCol="0" anchor="ctr"/>
+          <a:lstStyle/>
+          <a:p>
+            <a:pPr algn="ctr"/>
+            <a:endParaRPr lang="en-US"/>
+          </a:p>
+        </p:txBody>
+      </p:sp>
+      <p:sp>
+        <p:nvSpPr>
+          <p:cNvPr id="10" name="Oval 9">
+            <a:hlinkClick r:id="rId7" action="ppaction://hlinksldjump"/>
+            <a:extLst>
+              <a:ext uri="{FF2B5EF4-FFF2-40B4-BE49-F238E27FC236}">
+                <a16:creationId xmlns:a16="http://schemas.microsoft.com/office/drawing/2014/main" id="{A65BC474-224A-83AB-1ED8-91E07D06C0B2}"/>
+              </a:ext>
+            </a:extLst>
+          </p:cNvPr>
+          <p:cNvSpPr/>
+          <p:nvPr/>
+        </p:nvSpPr>
+        <p:spPr>
+          <a:xfrm>
+            <a:off x="615522" y="1357858"/>
+            <a:ext cx="924277" cy="855643"/>
+          </a:xfrm>
+          <a:prstGeom prst="ellipse">
+            <a:avLst/>
+          </a:prstGeom>
+          <a:noFill/>
+          <a:ln>
+            <a:noFill/>
+          </a:ln>
+        </p:spPr>
+        <p:style>
+          <a:lnRef idx="2">
+            <a:schemeClr val="accent1">
+              <a:shade val="50000"/>
+            </a:schemeClr>
+          </a:lnRef>
+          <a:fillRef idx="1">
+            <a:schemeClr val="accent1"/>
+          </a:fillRef>
+          <a:effectRef idx="0">
+            <a:schemeClr val="accent1"/>
+          </a:effectRef>
+          <a:fontRef idx="minor">
+            <a:schemeClr val="lt1"/>
+          </a:fontRef>
+        </p:style>
+        <p:txBody>
+          <a:bodyPr rtlCol="0" anchor="ctr"/>
+          <a:lstStyle/>
+          <a:p>
+            <a:pPr algn="ctr"/>
+            <a:endParaRPr lang="en-US"/>
+          </a:p>
+        </p:txBody>
+      </p:sp>
+      <p:sp>
+        <p:nvSpPr>
+          <p:cNvPr id="11" name="Oval 10">
+            <a:hlinkClick r:id="rId8" action="ppaction://hlinksldjump"/>
+            <a:extLst>
+              <a:ext uri="{FF2B5EF4-FFF2-40B4-BE49-F238E27FC236}">
+                <a16:creationId xmlns:a16="http://schemas.microsoft.com/office/drawing/2014/main" id="{55BE4A2F-F56E-F1C6-9FFD-065C29109EBE}"/>
+              </a:ext>
+            </a:extLst>
+          </p:cNvPr>
+          <p:cNvSpPr/>
+          <p:nvPr/>
+        </p:nvSpPr>
+        <p:spPr>
+          <a:xfrm>
+            <a:off x="1813845" y="3052901"/>
+            <a:ext cx="937116" cy="867070"/>
+          </a:xfrm>
+          <a:prstGeom prst="ellipse">
+            <a:avLst/>
+          </a:prstGeom>
+          <a:noFill/>
+          <a:ln>
+            <a:noFill/>
+          </a:ln>
+        </p:spPr>
+        <p:style>
+          <a:lnRef idx="2">
+            <a:schemeClr val="accent1">
+              <a:shade val="50000"/>
+            </a:schemeClr>
+          </a:lnRef>
+          <a:fillRef idx="1">
+            <a:schemeClr val="accent1"/>
+          </a:fillRef>
+          <a:effectRef idx="0">
+            <a:schemeClr val="accent1"/>
+          </a:effectRef>
+          <a:fontRef idx="minor">
+            <a:schemeClr val="lt1"/>
+          </a:fontRef>
+        </p:style>
+        <p:txBody>
+          <a:bodyPr rtlCol="0" anchor="ctr"/>
+          <a:lstStyle/>
+          <a:p>
+            <a:pPr algn="ctr"/>
+            <a:endParaRPr lang="en-US"/>
+          </a:p>
+        </p:txBody>
+      </p:sp>
+      <p:sp>
+        <p:nvSpPr>
+          <p:cNvPr id="12" name="TextBox 11">
+            <a:extLst>
+              <a:ext uri="{FF2B5EF4-FFF2-40B4-BE49-F238E27FC236}">
+                <a16:creationId xmlns:a16="http://schemas.microsoft.com/office/drawing/2014/main" id="{72329BF8-E953-4ED6-E65F-90AE24EAA55F}"/>
+              </a:ext>
+            </a:extLst>
+          </p:cNvPr>
+          <p:cNvSpPr txBox="1"/>
+          <p:nvPr/>
+        </p:nvSpPr>
+        <p:spPr>
+          <a:xfrm>
+            <a:off x="2282402" y="2035866"/>
+            <a:ext cx="1100831" cy="461665"/>
+          </a:xfrm>
+          <a:prstGeom prst="rect">
+            <a:avLst/>
+          </a:prstGeom>
+          <a:noFill/>
+        </p:spPr>
+        <p:txBody>
+          <a:bodyPr wrap="square" rtlCol="0">
+            <a:spAutoFit/>
+          </a:bodyPr>
+          <a:lstStyle/>
+          <a:p>
+            <a:r>
+              <a:rPr lang="en-US" sz="2400" dirty="0">
+                <a:solidFill>
+                  <a:schemeClr val="bg1"/>
+                </a:solidFill>
+              </a:rPr>
+              <a:t>LOGIN</a:t>
+            </a:r>
+          </a:p>
+        </p:txBody>
+      </p:sp>
+    </p:spTree>
+    <p:extLst>
+      <p:ext uri="{BB962C8B-B14F-4D97-AF65-F5344CB8AC3E}">
+        <p14:creationId xmlns:p14="http://schemas.microsoft.com/office/powerpoint/2010/main" val="2733931835"/>
+      </p:ext>
+    </p:extLst>
+  </p:cSld>
+  <p:clrMapOvr>
+    <a:masterClrMapping/>
+  </p:clrMapOvr>
+  <mc:AlternateContent xmlns:mc="http://schemas.openxmlformats.org/markup-compatibility/2006">
+    <mc:Choice xmlns:p159="http://schemas.microsoft.com/office/powerpoint/2015/09/main" Requires="p159">
+      <p:transition spd="slow">
+        <p159:morph option="byObject"/>
       </p:transition>
     </mc:Choice>
     <mc:Fallback>
@@ -4422,7 +6224,7 @@
                 <a:latin typeface="Microsoft YaHei" panose="020B0503020204020204" pitchFamily="34" charset="-122"/>
                 <a:ea typeface="Microsoft YaHei" panose="020B0503020204020204" pitchFamily="34" charset="-122"/>
               </a:rPr>
-              <a:t>is a collaborative tool used in group settings to help ease communication in groups  </a:t>
+              <a:t>is a collaborative tool used in group settings to help ease communication!</a:t>
             </a:r>
           </a:p>
         </p:txBody>
@@ -5882,6 +7684,57 @@
           </a:p>
         </p:txBody>
       </p:sp>
+      <p:sp>
+        <p:nvSpPr>
+          <p:cNvPr id="22" name="Oval 21">
+            <a:hlinkClick r:id="rId9" action="ppaction://hlinksldjump"/>
+            <a:extLst>
+              <a:ext uri="{FF2B5EF4-FFF2-40B4-BE49-F238E27FC236}">
+                <a16:creationId xmlns:a16="http://schemas.microsoft.com/office/drawing/2014/main" id="{963A2B0B-FE01-AE0E-5029-26D7EF005995}"/>
+              </a:ext>
+            </a:extLst>
+          </p:cNvPr>
+          <p:cNvSpPr/>
+          <p:nvPr/>
+        </p:nvSpPr>
+        <p:spPr>
+          <a:xfrm>
+            <a:off x="8899094" y="444926"/>
+            <a:ext cx="1271492" cy="858023"/>
+          </a:xfrm>
+          <a:prstGeom prst="ellipse">
+            <a:avLst/>
+          </a:prstGeom>
+          <a:noFill/>
+          <a:ln>
+            <a:noFill/>
+          </a:ln>
+        </p:spPr>
+        <p:style>
+          <a:lnRef idx="2">
+            <a:schemeClr val="accent1">
+              <a:shade val="50000"/>
+            </a:schemeClr>
+          </a:lnRef>
+          <a:fillRef idx="1">
+            <a:schemeClr val="accent1"/>
+          </a:fillRef>
+          <a:effectRef idx="0">
+            <a:schemeClr val="accent1"/>
+          </a:effectRef>
+          <a:fontRef idx="minor">
+            <a:schemeClr val="lt1"/>
+          </a:fontRef>
+        </p:style>
+        <p:txBody>
+          <a:bodyPr rtlCol="0" anchor="ctr"/>
+          <a:lstStyle/>
+          <a:p>
+            <a:pPr algn="ctr"/>
+            <a:endParaRPr lang="en-US"/>
+          </a:p>
+        </p:txBody>
+      </p:sp>
     </p:spTree>
     <p:extLst>
       <p:ext uri="{BB962C8B-B14F-4D97-AF65-F5344CB8AC3E}">
@@ -6381,7 +8234,23 @@
             <a:pPr algn="ctr"/>
             <a:r>
               <a:rPr lang="en-US" sz="2600" dirty="0"/>
-              <a:t>weekly web-based self and peer assessment check-in on the entire group designed for students and teachers to stay connected and informed during group projects! </a:t>
+              <a:t>weekly web-based </a:t>
+            </a:r>
+            <a:r>
+              <a:rPr lang="en-US" sz="2600" b="1" dirty="0"/>
+              <a:t>self</a:t>
+            </a:r>
+            <a:r>
+              <a:rPr lang="en-US" sz="2600" dirty="0"/>
+              <a:t> and </a:t>
+            </a:r>
+            <a:r>
+              <a:rPr lang="en-US" sz="2600" b="1" dirty="0"/>
+              <a:t>peer</a:t>
+            </a:r>
+            <a:r>
+              <a:rPr lang="en-US" sz="2600" dirty="0"/>
+              <a:t> assessment check-in on the entire group designed for students and teachers to stay connected and informed during group projects! </a:t>
             </a:r>
           </a:p>
         </p:txBody>
@@ -7795,7 +9664,7 @@
       <p:sp>
         <p:nvSpPr>
           <p:cNvPr id="3" name="Oval 2">
-            <a:hlinkClick r:id="rId2" action="ppaction://hlinksldjump"/>
+            <a:hlinkClick r:id="rId3" action="ppaction://hlinksldjump"/>
             <a:extLst>
               <a:ext uri="{FF2B5EF4-FFF2-40B4-BE49-F238E27FC236}">
                 <a16:creationId xmlns:a16="http://schemas.microsoft.com/office/drawing/2014/main" id="{2C942AED-73B2-52E2-6B5A-B5D1F184BD0C}"/>
@@ -7846,7 +9715,7 @@
       <p:sp>
         <p:nvSpPr>
           <p:cNvPr id="7" name="Oval 6">
-            <a:hlinkClick r:id="rId3" action="ppaction://hlinksldjump"/>
+            <a:hlinkClick r:id="rId4" action="ppaction://hlinksldjump"/>
             <a:extLst>
               <a:ext uri="{FF2B5EF4-FFF2-40B4-BE49-F238E27FC236}">
                 <a16:creationId xmlns:a16="http://schemas.microsoft.com/office/drawing/2014/main" id="{04C78F41-60CA-4189-2C3F-DB00209D5518}"/>
@@ -7909,7 +9778,7 @@
           <p:nvPr/>
         </p:nvPicPr>
         <p:blipFill>
-          <a:blip r:embed="rId4"/>
+          <a:blip r:embed="rId5"/>
           <a:stretch>
             <a:fillRect/>
           </a:stretch>
@@ -7924,12 +9793,252 @@
           </a:prstGeom>
         </p:spPr>
       </p:pic>
-      <p:sp>
-        <p:nvSpPr>
-          <p:cNvPr id="4" name="Oval 3">
-            <a:extLst>
-              <a:ext uri="{FF2B5EF4-FFF2-40B4-BE49-F238E27FC236}">
-                <a16:creationId xmlns:a16="http://schemas.microsoft.com/office/drawing/2014/main" id="{9C72A0B3-08A3-1CF3-34C0-E3013842356E}"/>
+      <p:pic>
+        <p:nvPicPr>
+          <p:cNvPr id="11" name="Picture 10" descr="A screenshot of a computer&#10;&#10;Description automatically generated">
+            <a:extLst>
+              <a:ext uri="{FF2B5EF4-FFF2-40B4-BE49-F238E27FC236}">
+                <a16:creationId xmlns:a16="http://schemas.microsoft.com/office/drawing/2014/main" id="{7C82F889-8B9F-47AC-B470-D6D68EDD2D3E}"/>
+              </a:ext>
+            </a:extLst>
+          </p:cNvPr>
+          <p:cNvPicPr>
+            <a:picLocks noChangeAspect="1"/>
+          </p:cNvPicPr>
+          <p:nvPr/>
+        </p:nvPicPr>
+        <p:blipFill>
+          <a:blip r:embed="rId6"/>
+          <a:stretch>
+            <a:fillRect/>
+          </a:stretch>
+        </p:blipFill>
+        <p:spPr>
+          <a:xfrm>
+            <a:off x="207391" y="3998717"/>
+            <a:ext cx="4521200" cy="2681740"/>
+          </a:xfrm>
+          <a:prstGeom prst="rect">
+            <a:avLst/>
+          </a:prstGeom>
+        </p:spPr>
+      </p:pic>
+      <p:sp>
+        <p:nvSpPr>
+          <p:cNvPr id="12" name="TextBox 11">
+            <a:extLst>
+              <a:ext uri="{FF2B5EF4-FFF2-40B4-BE49-F238E27FC236}">
+                <a16:creationId xmlns:a16="http://schemas.microsoft.com/office/drawing/2014/main" id="{1E0B325C-F580-0F73-CA5D-7631AC6C19D3}"/>
+              </a:ext>
+            </a:extLst>
+          </p:cNvPr>
+          <p:cNvSpPr txBox="1"/>
+          <p:nvPr/>
+        </p:nvSpPr>
+        <p:spPr>
+          <a:xfrm>
+            <a:off x="3860800" y="621889"/>
+            <a:ext cx="5159738" cy="646331"/>
+          </a:xfrm>
+          <a:prstGeom prst="rect">
+            <a:avLst/>
+          </a:prstGeom>
+          <a:noFill/>
+        </p:spPr>
+        <p:txBody>
+          <a:bodyPr wrap="square" rtlCol="0">
+            <a:spAutoFit/>
+          </a:bodyPr>
+          <a:lstStyle/>
+          <a:p>
+            <a:pPr marL="285750" indent="-285750" algn="ctr">
+              <a:buFontTx/>
+              <a:buChar char="-"/>
+            </a:pPr>
+            <a:r>
+              <a:rPr lang="en-US" u="sng" dirty="0"/>
+              <a:t>Students</a:t>
+            </a:r>
+            <a:r>
+              <a:rPr lang="en-US" dirty="0"/>
+              <a:t> take less than 5 minutes to input feedback and submit to professors </a:t>
+            </a:r>
+          </a:p>
+        </p:txBody>
+      </p:sp>
+      <p:pic>
+        <p:nvPicPr>
+          <p:cNvPr id="14" name="Picture 13" descr="A screenshot of a computer&#10;&#10;Description automatically generated">
+            <a:extLst>
+              <a:ext uri="{FF2B5EF4-FFF2-40B4-BE49-F238E27FC236}">
+                <a16:creationId xmlns:a16="http://schemas.microsoft.com/office/drawing/2014/main" id="{808274ED-3394-B3D6-63BD-8AF1BDF291C8}"/>
+              </a:ext>
+            </a:extLst>
+          </p:cNvPr>
+          <p:cNvPicPr>
+            <a:picLocks noChangeAspect="1"/>
+          </p:cNvPicPr>
+          <p:nvPr/>
+        </p:nvPicPr>
+        <p:blipFill>
+          <a:blip r:embed="rId7"/>
+          <a:stretch>
+            <a:fillRect/>
+          </a:stretch>
+        </p:blipFill>
+        <p:spPr>
+          <a:xfrm>
+            <a:off x="7627961" y="3776796"/>
+            <a:ext cx="4356648" cy="2595250"/>
+          </a:xfrm>
+          <a:prstGeom prst="rect">
+            <a:avLst/>
+          </a:prstGeom>
+        </p:spPr>
+      </p:pic>
+      <p:sp>
+        <p:nvSpPr>
+          <p:cNvPr id="15" name="TextBox 14">
+            <a:extLst>
+              <a:ext uri="{FF2B5EF4-FFF2-40B4-BE49-F238E27FC236}">
+                <a16:creationId xmlns:a16="http://schemas.microsoft.com/office/drawing/2014/main" id="{4EF51D36-5832-FF32-2C77-926B6A2EF771}"/>
+              </a:ext>
+            </a:extLst>
+          </p:cNvPr>
+          <p:cNvSpPr txBox="1"/>
+          <p:nvPr/>
+        </p:nvSpPr>
+        <p:spPr>
+          <a:xfrm>
+            <a:off x="2801284" y="3731004"/>
+            <a:ext cx="3031378" cy="1477328"/>
+          </a:xfrm>
+          <a:prstGeom prst="rect">
+            <a:avLst/>
+          </a:prstGeom>
+          <a:solidFill>
+            <a:srgbClr val="A5A5A5">
+              <a:alpha val="47843"/>
+            </a:srgbClr>
+          </a:solidFill>
+        </p:spPr>
+        <p:txBody>
+          <a:bodyPr wrap="square" rtlCol="0">
+            <a:spAutoFit/>
+          </a:bodyPr>
+          <a:lstStyle>
+            <a:defPPr>
+              <a:defRPr lang="en-US"/>
+            </a:defPPr>
+            <a:lvl1pPr>
+              <a:defRPr>
+                <a:solidFill>
+                  <a:schemeClr val="bg1"/>
+                </a:solidFill>
+              </a:defRPr>
+            </a:lvl1pPr>
+          </a:lstStyle>
+          <a:p>
+            <a:r>
+              <a:rPr lang="en-US" dirty="0"/>
+              <a:t>Students: slide the bar to match the amount of effort you think each person contributed and write a comment if necessary </a:t>
+            </a:r>
+          </a:p>
+        </p:txBody>
+      </p:sp>
+      <p:sp>
+        <p:nvSpPr>
+          <p:cNvPr id="16" name="TextBox 15">
+            <a:extLst>
+              <a:ext uri="{FF2B5EF4-FFF2-40B4-BE49-F238E27FC236}">
+                <a16:creationId xmlns:a16="http://schemas.microsoft.com/office/drawing/2014/main" id="{5E92E098-6049-617C-1ACE-D1703A7D8F7A}"/>
+              </a:ext>
+            </a:extLst>
+          </p:cNvPr>
+          <p:cNvSpPr txBox="1"/>
+          <p:nvPr/>
+        </p:nvSpPr>
+        <p:spPr>
+          <a:xfrm>
+            <a:off x="7068741" y="5203129"/>
+            <a:ext cx="2333366" cy="1477328"/>
+          </a:xfrm>
+          <a:prstGeom prst="rect">
+            <a:avLst/>
+          </a:prstGeom>
+          <a:solidFill>
+            <a:srgbClr val="A5A5A5">
+              <a:alpha val="47843"/>
+            </a:srgbClr>
+          </a:solidFill>
+        </p:spPr>
+        <p:txBody>
+          <a:bodyPr wrap="square" rtlCol="0">
+            <a:spAutoFit/>
+          </a:bodyPr>
+          <a:lstStyle/>
+          <a:p>
+            <a:r>
+              <a:rPr lang="en-US" dirty="0">
+                <a:solidFill>
+                  <a:schemeClr val="bg1"/>
+                </a:solidFill>
+              </a:rPr>
+              <a:t>Professors: Use the data from this graph to track student’s activity and see who needs help  </a:t>
+            </a:r>
+          </a:p>
+        </p:txBody>
+      </p:sp>
+      <p:sp>
+        <p:nvSpPr>
+          <p:cNvPr id="17" name="TextBox 16">
+            <a:extLst>
+              <a:ext uri="{FF2B5EF4-FFF2-40B4-BE49-F238E27FC236}">
+                <a16:creationId xmlns:a16="http://schemas.microsoft.com/office/drawing/2014/main" id="{6BA71D87-CF06-5788-4E00-6AF075A5B944}"/>
+              </a:ext>
+            </a:extLst>
+          </p:cNvPr>
+          <p:cNvSpPr txBox="1"/>
+          <p:nvPr/>
+        </p:nvSpPr>
+        <p:spPr>
+          <a:xfrm>
+            <a:off x="4398538" y="2222613"/>
+            <a:ext cx="5059876" cy="646331"/>
+          </a:xfrm>
+          <a:prstGeom prst="rect">
+            <a:avLst/>
+          </a:prstGeom>
+          <a:noFill/>
+        </p:spPr>
+        <p:txBody>
+          <a:bodyPr wrap="square" rtlCol="0">
+            <a:spAutoFit/>
+          </a:bodyPr>
+          <a:lstStyle/>
+          <a:p>
+            <a:r>
+              <a:rPr lang="en-US" dirty="0"/>
+              <a:t>- </a:t>
+            </a:r>
+            <a:r>
+              <a:rPr lang="en-US" u="sng" dirty="0"/>
+              <a:t>Teachers</a:t>
+            </a:r>
+            <a:r>
+              <a:rPr lang="en-US" dirty="0"/>
+              <a:t> collect data from graph and make evaluations as needed to assist students</a:t>
+            </a:r>
+          </a:p>
+        </p:txBody>
+      </p:sp>
+      <p:sp>
+        <p:nvSpPr>
+          <p:cNvPr id="18" name="Oval 17">
+            <a:hlinkClick r:id="rId4" action="ppaction://hlinksldjump"/>
+            <a:extLst>
+              <a:ext uri="{FF2B5EF4-FFF2-40B4-BE49-F238E27FC236}">
+                <a16:creationId xmlns:a16="http://schemas.microsoft.com/office/drawing/2014/main" id="{50772660-0BBE-7BE9-C36F-7ACA33C163EF}"/>
               </a:ext>
             </a:extLst>
           </p:cNvPr>
@@ -7938,15 +10047,16 @@
         </p:nvSpPr>
         <p:spPr>
           <a:xfrm>
-            <a:off x="3254881" y="177543"/>
-            <a:ext cx="6502115" cy="3552887"/>
+            <a:off x="10315640" y="88360"/>
+            <a:ext cx="1088450" cy="887920"/>
           </a:xfrm>
           <a:prstGeom prst="ellipse">
             <a:avLst/>
           </a:prstGeom>
-          <a:solidFill>
-            <a:srgbClr val="F5EC00"/>
-          </a:solidFill>
+          <a:noFill/>
+          <a:ln>
+            <a:noFill/>
+          </a:ln>
         </p:spPr>
         <p:style>
           <a:lnRef idx="2">
@@ -7971,55 +10081,167 @@
             <a:pPr algn="ctr"/>
             <a:endParaRPr lang="en-US" dirty="0"/>
           </a:p>
-          <a:p>
-            <a:pPr algn="ctr"/>
-            <a:r>
-              <a:rPr lang="en-US" dirty="0"/>
-              <a:t> </a:t>
-            </a:r>
-          </a:p>
+        </p:txBody>
+      </p:sp>
+      <p:sp>
+        <p:nvSpPr>
+          <p:cNvPr id="19" name="Oval 18">
+            <a:hlinkClick r:id="rId8" action="ppaction://hlinksldjump"/>
+            <a:extLst>
+              <a:ext uri="{FF2B5EF4-FFF2-40B4-BE49-F238E27FC236}">
+                <a16:creationId xmlns:a16="http://schemas.microsoft.com/office/drawing/2014/main" id="{5D378978-6440-0D1A-3A0E-6596990EAF62}"/>
+              </a:ext>
+            </a:extLst>
+          </p:cNvPr>
+          <p:cNvSpPr/>
+          <p:nvPr/>
+        </p:nvSpPr>
+        <p:spPr>
+          <a:xfrm>
+            <a:off x="11165534" y="976280"/>
+            <a:ext cx="924866" cy="861486"/>
+          </a:xfrm>
+          <a:prstGeom prst="ellipse">
+            <a:avLst/>
+          </a:prstGeom>
+          <a:noFill/>
+          <a:ln>
+            <a:noFill/>
+          </a:ln>
+        </p:spPr>
+        <p:style>
+          <a:lnRef idx="2">
+            <a:schemeClr val="accent1">
+              <a:shade val="50000"/>
+            </a:schemeClr>
+          </a:lnRef>
+          <a:fillRef idx="1">
+            <a:schemeClr val="accent1"/>
+          </a:fillRef>
+          <a:effectRef idx="0">
+            <a:schemeClr val="accent1"/>
+          </a:effectRef>
+          <a:fontRef idx="minor">
+            <a:schemeClr val="lt1"/>
+          </a:fontRef>
+        </p:style>
+        <p:txBody>
+          <a:bodyPr rtlCol="0" anchor="ctr"/>
+          <a:lstStyle/>
           <a:p>
             <a:pPr algn="ctr"/>
             <a:endParaRPr lang="en-US" dirty="0"/>
           </a:p>
         </p:txBody>
       </p:sp>
-      <p:pic>
-        <p:nvPicPr>
-          <p:cNvPr id="11" name="Picture 10" descr="A screenshot of a computer&#10;&#10;Description automatically generated">
-            <a:extLst>
-              <a:ext uri="{FF2B5EF4-FFF2-40B4-BE49-F238E27FC236}">
-                <a16:creationId xmlns:a16="http://schemas.microsoft.com/office/drawing/2014/main" id="{7C82F889-8B9F-47AC-B470-D6D68EDD2D3E}"/>
-              </a:ext>
-            </a:extLst>
-          </p:cNvPr>
-          <p:cNvPicPr>
-            <a:picLocks noChangeAspect="1"/>
-          </p:cNvPicPr>
-          <p:nvPr/>
-        </p:nvPicPr>
-        <p:blipFill>
-          <a:blip r:embed="rId5"/>
-          <a:stretch>
-            <a:fillRect/>
-          </a:stretch>
-        </p:blipFill>
-        <p:spPr>
-          <a:xfrm>
-            <a:off x="207391" y="3998717"/>
-            <a:ext cx="4521200" cy="2681740"/>
-          </a:xfrm>
-          <a:prstGeom prst="rect">
-            <a:avLst/>
-          </a:prstGeom>
-        </p:spPr>
-      </p:pic>
-      <p:sp>
-        <p:nvSpPr>
-          <p:cNvPr id="12" name="TextBox 11">
-            <a:extLst>
-              <a:ext uri="{FF2B5EF4-FFF2-40B4-BE49-F238E27FC236}">
-                <a16:creationId xmlns:a16="http://schemas.microsoft.com/office/drawing/2014/main" id="{1E0B325C-F580-0F73-CA5D-7631AC6C19D3}"/>
+      <p:sp>
+        <p:nvSpPr>
+          <p:cNvPr id="20" name="Oval 19">
+            <a:hlinkClick r:id="rId9" action="ppaction://hlinksldjump"/>
+            <a:extLst>
+              <a:ext uri="{FF2B5EF4-FFF2-40B4-BE49-F238E27FC236}">
+                <a16:creationId xmlns:a16="http://schemas.microsoft.com/office/drawing/2014/main" id="{F9EFDFE8-E536-4635-0317-DA32D36D1854}"/>
+              </a:ext>
+            </a:extLst>
+          </p:cNvPr>
+          <p:cNvSpPr/>
+          <p:nvPr/>
+        </p:nvSpPr>
+        <p:spPr>
+          <a:xfrm>
+            <a:off x="10990559" y="2426713"/>
+            <a:ext cx="805363" cy="761136"/>
+          </a:xfrm>
+          <a:prstGeom prst="ellipse">
+            <a:avLst/>
+          </a:prstGeom>
+          <a:noFill/>
+          <a:ln>
+            <a:noFill/>
+          </a:ln>
+        </p:spPr>
+        <p:style>
+          <a:lnRef idx="2">
+            <a:schemeClr val="accent1">
+              <a:shade val="50000"/>
+            </a:schemeClr>
+          </a:lnRef>
+          <a:fillRef idx="1">
+            <a:schemeClr val="accent1"/>
+          </a:fillRef>
+          <a:effectRef idx="0">
+            <a:schemeClr val="accent1"/>
+          </a:effectRef>
+          <a:fontRef idx="minor">
+            <a:schemeClr val="lt1"/>
+          </a:fontRef>
+        </p:style>
+        <p:txBody>
+          <a:bodyPr rtlCol="0" anchor="ctr"/>
+          <a:lstStyle/>
+          <a:p>
+            <a:pPr algn="ctr"/>
+            <a:endParaRPr lang="en-US" dirty="0"/>
+          </a:p>
+        </p:txBody>
+      </p:sp>
+      <p:sp>
+        <p:nvSpPr>
+          <p:cNvPr id="21" name="Oval 20">
+            <a:hlinkClick r:id="rId10" action="ppaction://hlinksldjump"/>
+            <a:extLst>
+              <a:ext uri="{FF2B5EF4-FFF2-40B4-BE49-F238E27FC236}">
+                <a16:creationId xmlns:a16="http://schemas.microsoft.com/office/drawing/2014/main" id="{82451A66-03DD-8C40-CB42-ACC84CC4D4BA}"/>
+              </a:ext>
+            </a:extLst>
+          </p:cNvPr>
+          <p:cNvSpPr/>
+          <p:nvPr/>
+        </p:nvSpPr>
+        <p:spPr>
+          <a:xfrm>
+            <a:off x="10120537" y="2667864"/>
+            <a:ext cx="805363" cy="761136"/>
+          </a:xfrm>
+          <a:prstGeom prst="ellipse">
+            <a:avLst/>
+          </a:prstGeom>
+          <a:noFill/>
+          <a:ln>
+            <a:noFill/>
+          </a:ln>
+        </p:spPr>
+        <p:style>
+          <a:lnRef idx="2">
+            <a:schemeClr val="accent1">
+              <a:shade val="50000"/>
+            </a:schemeClr>
+          </a:lnRef>
+          <a:fillRef idx="1">
+            <a:schemeClr val="accent1"/>
+          </a:fillRef>
+          <a:effectRef idx="0">
+            <a:schemeClr val="accent1"/>
+          </a:effectRef>
+          <a:fontRef idx="minor">
+            <a:schemeClr val="lt1"/>
+          </a:fontRef>
+        </p:style>
+        <p:txBody>
+          <a:bodyPr rtlCol="0" anchor="ctr"/>
+          <a:lstStyle/>
+          <a:p>
+            <a:pPr algn="ctr"/>
+            <a:endParaRPr lang="en-US" dirty="0"/>
+          </a:p>
+        </p:txBody>
+      </p:sp>
+      <p:sp>
+        <p:nvSpPr>
+          <p:cNvPr id="22" name="TextBox 21">
+            <a:extLst>
+              <a:ext uri="{FF2B5EF4-FFF2-40B4-BE49-F238E27FC236}">
+                <a16:creationId xmlns:a16="http://schemas.microsoft.com/office/drawing/2014/main" id="{3831D527-7511-7CB6-B90C-15D707EFE93C}"/>
               </a:ext>
             </a:extLst>
           </p:cNvPr>
@@ -8028,8 +10250,8 @@
         </p:nvSpPr>
         <p:spPr>
           <a:xfrm>
-            <a:off x="3860800" y="621889"/>
-            <a:ext cx="5159738" cy="1477328"/>
+            <a:off x="10213499" y="1709073"/>
+            <a:ext cx="924867" cy="400110"/>
           </a:xfrm>
           <a:prstGeom prst="rect">
             <a:avLst/>
@@ -8041,6 +10263,106 @@
             <a:spAutoFit/>
           </a:bodyPr>
           <a:lstStyle/>
+          <a:p>
+            <a:r>
+              <a:rPr lang="en-US" sz="2000" dirty="0">
+                <a:solidFill>
+                  <a:schemeClr val="bg1"/>
+                </a:solidFill>
+              </a:rPr>
+              <a:t>LOGIN</a:t>
+            </a:r>
+          </a:p>
+        </p:txBody>
+      </p:sp>
+      <p:sp>
+        <p:nvSpPr>
+          <p:cNvPr id="23" name="Right Arrow 22">
+            <a:extLst>
+              <a:ext uri="{FF2B5EF4-FFF2-40B4-BE49-F238E27FC236}">
+                <a16:creationId xmlns:a16="http://schemas.microsoft.com/office/drawing/2014/main" id="{3B30C852-B57C-E0F1-73DC-393F93279B45}"/>
+              </a:ext>
+            </a:extLst>
+          </p:cNvPr>
+          <p:cNvSpPr/>
+          <p:nvPr/>
+        </p:nvSpPr>
+        <p:spPr>
+          <a:xfrm rot="2325111">
+            <a:off x="1505482" y="2821833"/>
+            <a:ext cx="1190395" cy="934445"/>
+          </a:xfrm>
+          <a:prstGeom prst="rightArrow">
+            <a:avLst/>
+          </a:prstGeom>
+        </p:spPr>
+        <p:style>
+          <a:lnRef idx="2">
+            <a:schemeClr val="accent1">
+              <a:shade val="50000"/>
+            </a:schemeClr>
+          </a:lnRef>
+          <a:fillRef idx="1">
+            <a:schemeClr val="accent1"/>
+          </a:fillRef>
+          <a:effectRef idx="0">
+            <a:schemeClr val="accent1"/>
+          </a:effectRef>
+          <a:fontRef idx="minor">
+            <a:schemeClr val="lt1"/>
+          </a:fontRef>
+        </p:style>
+        <p:txBody>
+          <a:bodyPr rtlCol="0" anchor="ctr"/>
+          <a:lstStyle/>
+          <a:p>
+            <a:pPr algn="ctr"/>
+            <a:endParaRPr lang="en-US"/>
+          </a:p>
+        </p:txBody>
+      </p:sp>
+      <p:sp>
+        <p:nvSpPr>
+          <p:cNvPr id="24" name="TextBox 23">
+            <a:extLst>
+              <a:ext uri="{FF2B5EF4-FFF2-40B4-BE49-F238E27FC236}">
+                <a16:creationId xmlns:a16="http://schemas.microsoft.com/office/drawing/2014/main" id="{0909CE51-10CB-632B-4420-E7B1F1BD32FB}"/>
+              </a:ext>
+            </a:extLst>
+          </p:cNvPr>
+          <p:cNvSpPr txBox="1"/>
+          <p:nvPr/>
+        </p:nvSpPr>
+        <p:spPr>
+          <a:xfrm>
+            <a:off x="299713" y="1257406"/>
+            <a:ext cx="3031378" cy="1477328"/>
+          </a:xfrm>
+          <a:prstGeom prst="rect">
+            <a:avLst/>
+          </a:prstGeom>
+          <a:solidFill>
+            <a:srgbClr val="A5A5A5">
+              <a:alpha val="47843"/>
+            </a:srgbClr>
+          </a:solidFill>
+        </p:spPr>
+        <p:txBody>
+          <a:bodyPr wrap="square" rtlCol="0">
+            <a:spAutoFit/>
+          </a:bodyPr>
+          <a:lstStyle>
+            <a:defPPr>
+              <a:defRPr lang="en-US"/>
+            </a:defPPr>
+            <a:lvl1pPr>
+              <a:defRPr>
+                <a:solidFill>
+                  <a:schemeClr val="bg1"/>
+                </a:solidFill>
+              </a:defRPr>
+            </a:lvl1pPr>
+          </a:lstStyle>
           <a:p>
             <a:pPr marL="285750" indent="-285750" algn="ctr">
               <a:buFontTx/>
@@ -8061,416 +10383,41 @@
               <a:t> receive a weekly reminder to input information about their week working with their group</a:t>
             </a:r>
           </a:p>
-          <a:p>
-            <a:pPr marL="285750" indent="-285750" algn="ctr">
-              <a:buFontTx/>
-              <a:buChar char="-"/>
-            </a:pPr>
-            <a:r>
-              <a:rPr lang="en-US" u="sng" dirty="0"/>
-              <a:t>Students</a:t>
-            </a:r>
-            <a:r>
-              <a:rPr lang="en-US" dirty="0"/>
-              <a:t> take less than 5 minutes to input feedback and submit to professors </a:t>
-            </a:r>
-          </a:p>
         </p:txBody>
       </p:sp>
       <p:pic>
         <p:nvPicPr>
-          <p:cNvPr id="14" name="Picture 13" descr="A screenshot of a computer&#10;&#10;Description automatically generated">
-            <a:extLst>
-              <a:ext uri="{FF2B5EF4-FFF2-40B4-BE49-F238E27FC236}">
-                <a16:creationId xmlns:a16="http://schemas.microsoft.com/office/drawing/2014/main" id="{808274ED-3394-B3D6-63BD-8AF1BDF291C8}"/>
+          <p:cNvPr id="27" name="Online Media 26" descr="Making Teamwork Work Equitably">
+            <a:hlinkClick r:id="" action="ppaction://media"/>
+            <a:extLst>
+              <a:ext uri="{FF2B5EF4-FFF2-40B4-BE49-F238E27FC236}">
+                <a16:creationId xmlns:a16="http://schemas.microsoft.com/office/drawing/2014/main" id="{0C56F29A-C634-8356-19E8-601A2475DB45}"/>
               </a:ext>
             </a:extLst>
           </p:cNvPr>
           <p:cNvPicPr>
-            <a:picLocks noChangeAspect="1"/>
+            <a:picLocks noRot="1" noChangeAspect="1"/>
           </p:cNvPicPr>
-          <p:nvPr/>
+          <p:nvPr>
+            <a:videoFile r:link="rId1"/>
+          </p:nvPr>
         </p:nvPicPr>
         <p:blipFill>
-          <a:blip r:embed="rId6"/>
+          <a:blip r:embed="rId11"/>
           <a:stretch>
             <a:fillRect/>
           </a:stretch>
         </p:blipFill>
         <p:spPr>
           <a:xfrm>
-            <a:off x="7614249" y="3730430"/>
-            <a:ext cx="4356648" cy="2595250"/>
+            <a:off x="4826000" y="2711450"/>
+            <a:ext cx="3600555" cy="2034314"/>
           </a:xfrm>
           <a:prstGeom prst="rect">
             <a:avLst/>
           </a:prstGeom>
         </p:spPr>
       </p:pic>
-      <p:sp>
-        <p:nvSpPr>
-          <p:cNvPr id="15" name="TextBox 14">
-            <a:extLst>
-              <a:ext uri="{FF2B5EF4-FFF2-40B4-BE49-F238E27FC236}">
-                <a16:creationId xmlns:a16="http://schemas.microsoft.com/office/drawing/2014/main" id="{4EF51D36-5832-FF32-2C77-926B6A2EF771}"/>
-              </a:ext>
-            </a:extLst>
-          </p:cNvPr>
-          <p:cNvSpPr txBox="1"/>
-          <p:nvPr/>
-        </p:nvSpPr>
-        <p:spPr>
-          <a:xfrm>
-            <a:off x="376980" y="2535816"/>
-            <a:ext cx="3031378" cy="1477328"/>
-          </a:xfrm>
-          <a:prstGeom prst="rect">
-            <a:avLst/>
-          </a:prstGeom>
-          <a:noFill/>
-        </p:spPr>
-        <p:txBody>
-          <a:bodyPr wrap="square" rtlCol="0">
-            <a:spAutoFit/>
-          </a:bodyPr>
-          <a:lstStyle/>
-          <a:p>
-            <a:r>
-              <a:rPr lang="en-US" dirty="0">
-                <a:solidFill>
-                  <a:schemeClr val="bg1"/>
-                </a:solidFill>
-              </a:rPr>
-              <a:t>Students: slide the bar to match the amount of effort you think each person contributed and write a comment if necessary </a:t>
-            </a:r>
-          </a:p>
-        </p:txBody>
-      </p:sp>
-      <p:sp>
-        <p:nvSpPr>
-          <p:cNvPr id="16" name="TextBox 15">
-            <a:extLst>
-              <a:ext uri="{FF2B5EF4-FFF2-40B4-BE49-F238E27FC236}">
-                <a16:creationId xmlns:a16="http://schemas.microsoft.com/office/drawing/2014/main" id="{5E92E098-6049-617C-1ACE-D1703A7D8F7A}"/>
-              </a:ext>
-            </a:extLst>
-          </p:cNvPr>
-          <p:cNvSpPr txBox="1"/>
-          <p:nvPr/>
-        </p:nvSpPr>
-        <p:spPr>
-          <a:xfrm>
-            <a:off x="5280883" y="4087808"/>
-            <a:ext cx="2333366" cy="1477328"/>
-          </a:xfrm>
-          <a:prstGeom prst="rect">
-            <a:avLst/>
-          </a:prstGeom>
-          <a:noFill/>
-        </p:spPr>
-        <p:txBody>
-          <a:bodyPr wrap="square" rtlCol="0">
-            <a:spAutoFit/>
-          </a:bodyPr>
-          <a:lstStyle/>
-          <a:p>
-            <a:r>
-              <a:rPr lang="en-US" dirty="0">
-                <a:solidFill>
-                  <a:schemeClr val="bg1"/>
-                </a:solidFill>
-              </a:rPr>
-              <a:t>Professors: Use the data from this graph to track student’s activity and see who needs help  </a:t>
-            </a:r>
-          </a:p>
-        </p:txBody>
-      </p:sp>
-      <p:sp>
-        <p:nvSpPr>
-          <p:cNvPr id="17" name="TextBox 16">
-            <a:extLst>
-              <a:ext uri="{FF2B5EF4-FFF2-40B4-BE49-F238E27FC236}">
-                <a16:creationId xmlns:a16="http://schemas.microsoft.com/office/drawing/2014/main" id="{6BA71D87-CF06-5788-4E00-6AF075A5B944}"/>
-              </a:ext>
-            </a:extLst>
-          </p:cNvPr>
-          <p:cNvSpPr txBox="1"/>
-          <p:nvPr/>
-        </p:nvSpPr>
-        <p:spPr>
-          <a:xfrm>
-            <a:off x="4398538" y="2222613"/>
-            <a:ext cx="5059876" cy="646331"/>
-          </a:xfrm>
-          <a:prstGeom prst="rect">
-            <a:avLst/>
-          </a:prstGeom>
-          <a:noFill/>
-        </p:spPr>
-        <p:txBody>
-          <a:bodyPr wrap="square" rtlCol="0">
-            <a:spAutoFit/>
-          </a:bodyPr>
-          <a:lstStyle/>
-          <a:p>
-            <a:r>
-              <a:rPr lang="en-US" dirty="0"/>
-              <a:t>- </a:t>
-            </a:r>
-            <a:r>
-              <a:rPr lang="en-US" u="sng" dirty="0"/>
-              <a:t>Teachers</a:t>
-            </a:r>
-            <a:r>
-              <a:rPr lang="en-US" dirty="0"/>
-              <a:t> collect data from graph and make evaluations as needed to assist students</a:t>
-            </a:r>
-          </a:p>
-        </p:txBody>
-      </p:sp>
-      <p:sp>
-        <p:nvSpPr>
-          <p:cNvPr id="18" name="Oval 17">
-            <a:hlinkClick r:id="rId3" action="ppaction://hlinksldjump"/>
-            <a:extLst>
-              <a:ext uri="{FF2B5EF4-FFF2-40B4-BE49-F238E27FC236}">
-                <a16:creationId xmlns:a16="http://schemas.microsoft.com/office/drawing/2014/main" id="{50772660-0BBE-7BE9-C36F-7ACA33C163EF}"/>
-              </a:ext>
-            </a:extLst>
-          </p:cNvPr>
-          <p:cNvSpPr/>
-          <p:nvPr/>
-        </p:nvSpPr>
-        <p:spPr>
-          <a:xfrm>
-            <a:off x="10315640" y="88360"/>
-            <a:ext cx="1088450" cy="887920"/>
-          </a:xfrm>
-          <a:prstGeom prst="ellipse">
-            <a:avLst/>
-          </a:prstGeom>
-          <a:noFill/>
-          <a:ln>
-            <a:noFill/>
-          </a:ln>
-        </p:spPr>
-        <p:style>
-          <a:lnRef idx="2">
-            <a:schemeClr val="accent1">
-              <a:shade val="50000"/>
-            </a:schemeClr>
-          </a:lnRef>
-          <a:fillRef idx="1">
-            <a:schemeClr val="accent1"/>
-          </a:fillRef>
-          <a:effectRef idx="0">
-            <a:schemeClr val="accent1"/>
-          </a:effectRef>
-          <a:fontRef idx="minor">
-            <a:schemeClr val="lt1"/>
-          </a:fontRef>
-        </p:style>
-        <p:txBody>
-          <a:bodyPr rtlCol="0" anchor="ctr"/>
-          <a:lstStyle/>
-          <a:p>
-            <a:pPr algn="ctr"/>
-            <a:endParaRPr lang="en-US" dirty="0"/>
-          </a:p>
-        </p:txBody>
-      </p:sp>
-      <p:sp>
-        <p:nvSpPr>
-          <p:cNvPr id="19" name="Oval 18">
-            <a:hlinkClick r:id="rId7" action="ppaction://hlinksldjump"/>
-            <a:extLst>
-              <a:ext uri="{FF2B5EF4-FFF2-40B4-BE49-F238E27FC236}">
-                <a16:creationId xmlns:a16="http://schemas.microsoft.com/office/drawing/2014/main" id="{5D378978-6440-0D1A-3A0E-6596990EAF62}"/>
-              </a:ext>
-            </a:extLst>
-          </p:cNvPr>
-          <p:cNvSpPr/>
-          <p:nvPr/>
-        </p:nvSpPr>
-        <p:spPr>
-          <a:xfrm>
-            <a:off x="11165534" y="976280"/>
-            <a:ext cx="924866" cy="861486"/>
-          </a:xfrm>
-          <a:prstGeom prst="ellipse">
-            <a:avLst/>
-          </a:prstGeom>
-          <a:noFill/>
-          <a:ln>
-            <a:noFill/>
-          </a:ln>
-        </p:spPr>
-        <p:style>
-          <a:lnRef idx="2">
-            <a:schemeClr val="accent1">
-              <a:shade val="50000"/>
-            </a:schemeClr>
-          </a:lnRef>
-          <a:fillRef idx="1">
-            <a:schemeClr val="accent1"/>
-          </a:fillRef>
-          <a:effectRef idx="0">
-            <a:schemeClr val="accent1"/>
-          </a:effectRef>
-          <a:fontRef idx="minor">
-            <a:schemeClr val="lt1"/>
-          </a:fontRef>
-        </p:style>
-        <p:txBody>
-          <a:bodyPr rtlCol="0" anchor="ctr"/>
-          <a:lstStyle/>
-          <a:p>
-            <a:pPr algn="ctr"/>
-            <a:endParaRPr lang="en-US" dirty="0"/>
-          </a:p>
-        </p:txBody>
-      </p:sp>
-      <p:sp>
-        <p:nvSpPr>
-          <p:cNvPr id="20" name="Oval 19">
-            <a:hlinkClick r:id="rId8" action="ppaction://hlinksldjump"/>
-            <a:extLst>
-              <a:ext uri="{FF2B5EF4-FFF2-40B4-BE49-F238E27FC236}">
-                <a16:creationId xmlns:a16="http://schemas.microsoft.com/office/drawing/2014/main" id="{F9EFDFE8-E536-4635-0317-DA32D36D1854}"/>
-              </a:ext>
-            </a:extLst>
-          </p:cNvPr>
-          <p:cNvSpPr/>
-          <p:nvPr/>
-        </p:nvSpPr>
-        <p:spPr>
-          <a:xfrm>
-            <a:off x="10990559" y="2426713"/>
-            <a:ext cx="805363" cy="761136"/>
-          </a:xfrm>
-          <a:prstGeom prst="ellipse">
-            <a:avLst/>
-          </a:prstGeom>
-          <a:noFill/>
-          <a:ln>
-            <a:noFill/>
-          </a:ln>
-        </p:spPr>
-        <p:style>
-          <a:lnRef idx="2">
-            <a:schemeClr val="accent1">
-              <a:shade val="50000"/>
-            </a:schemeClr>
-          </a:lnRef>
-          <a:fillRef idx="1">
-            <a:schemeClr val="accent1"/>
-          </a:fillRef>
-          <a:effectRef idx="0">
-            <a:schemeClr val="accent1"/>
-          </a:effectRef>
-          <a:fontRef idx="minor">
-            <a:schemeClr val="lt1"/>
-          </a:fontRef>
-        </p:style>
-        <p:txBody>
-          <a:bodyPr rtlCol="0" anchor="ctr"/>
-          <a:lstStyle/>
-          <a:p>
-            <a:pPr algn="ctr"/>
-            <a:endParaRPr lang="en-US" dirty="0"/>
-          </a:p>
-        </p:txBody>
-      </p:sp>
-      <p:sp>
-        <p:nvSpPr>
-          <p:cNvPr id="21" name="Oval 20">
-            <a:hlinkClick r:id="rId9" action="ppaction://hlinksldjump"/>
-            <a:extLst>
-              <a:ext uri="{FF2B5EF4-FFF2-40B4-BE49-F238E27FC236}">
-                <a16:creationId xmlns:a16="http://schemas.microsoft.com/office/drawing/2014/main" id="{82451A66-03DD-8C40-CB42-ACC84CC4D4BA}"/>
-              </a:ext>
-            </a:extLst>
-          </p:cNvPr>
-          <p:cNvSpPr/>
-          <p:nvPr/>
-        </p:nvSpPr>
-        <p:spPr>
-          <a:xfrm>
-            <a:off x="10120537" y="2667864"/>
-            <a:ext cx="805363" cy="761136"/>
-          </a:xfrm>
-          <a:prstGeom prst="ellipse">
-            <a:avLst/>
-          </a:prstGeom>
-          <a:noFill/>
-          <a:ln>
-            <a:noFill/>
-          </a:ln>
-        </p:spPr>
-        <p:style>
-          <a:lnRef idx="2">
-            <a:schemeClr val="accent1">
-              <a:shade val="50000"/>
-            </a:schemeClr>
-          </a:lnRef>
-          <a:fillRef idx="1">
-            <a:schemeClr val="accent1"/>
-          </a:fillRef>
-          <a:effectRef idx="0">
-            <a:schemeClr val="accent1"/>
-          </a:effectRef>
-          <a:fontRef idx="minor">
-            <a:schemeClr val="lt1"/>
-          </a:fontRef>
-        </p:style>
-        <p:txBody>
-          <a:bodyPr rtlCol="0" anchor="ctr"/>
-          <a:lstStyle/>
-          <a:p>
-            <a:pPr algn="ctr"/>
-            <a:endParaRPr lang="en-US" dirty="0"/>
-          </a:p>
-        </p:txBody>
-      </p:sp>
-      <p:sp>
-        <p:nvSpPr>
-          <p:cNvPr id="22" name="TextBox 21">
-            <a:extLst>
-              <a:ext uri="{FF2B5EF4-FFF2-40B4-BE49-F238E27FC236}">
-                <a16:creationId xmlns:a16="http://schemas.microsoft.com/office/drawing/2014/main" id="{3831D527-7511-7CB6-B90C-15D707EFE93C}"/>
-              </a:ext>
-            </a:extLst>
-          </p:cNvPr>
-          <p:cNvSpPr txBox="1"/>
-          <p:nvPr/>
-        </p:nvSpPr>
-        <p:spPr>
-          <a:xfrm>
-            <a:off x="10213499" y="1709073"/>
-            <a:ext cx="924867" cy="400110"/>
-          </a:xfrm>
-          <a:prstGeom prst="rect">
-            <a:avLst/>
-          </a:prstGeom>
-          <a:noFill/>
-        </p:spPr>
-        <p:txBody>
-          <a:bodyPr wrap="square" rtlCol="0">
-            <a:spAutoFit/>
-          </a:bodyPr>
-          <a:lstStyle/>
-          <a:p>
-            <a:r>
-              <a:rPr lang="en-US" sz="2000" dirty="0">
-                <a:solidFill>
-                  <a:schemeClr val="bg1"/>
-                </a:solidFill>
-              </a:rPr>
-              <a:t>LOGIN</a:t>
-            </a:r>
-          </a:p>
-        </p:txBody>
-      </p:sp>
     </p:spTree>
     <p:extLst>
       <p:ext uri="{BB962C8B-B14F-4D97-AF65-F5344CB8AC3E}">
@@ -8493,6 +10440,141 @@
       </p:transition>
     </mc:Fallback>
   </mc:AlternateContent>
+  <p:timing>
+    <p:tnLst>
+      <p:par>
+        <p:cTn id="1" dur="indefinite" restart="never" nodeType="tmRoot">
+          <p:childTnLst>
+            <p:seq concurrent="1" nextAc="seek">
+              <p:cTn id="2" dur="indefinite" nodeType="mainSeq">
+                <p:childTnLst>
+                  <p:par>
+                    <p:cTn id="3" fill="hold">
+                      <p:stCondLst>
+                        <p:cond delay="indefinite"/>
+                      </p:stCondLst>
+                      <p:childTnLst>
+                        <p:par>
+                          <p:cTn id="4" fill="hold">
+                            <p:stCondLst>
+                              <p:cond delay="0"/>
+                            </p:stCondLst>
+                            <p:childTnLst>
+                              <p:par>
+                                <p:cTn id="5" presetID="1" presetClass="mediacall" presetSubtype="0" fill="hold" nodeType="clickEffect">
+                                  <p:stCondLst>
+                                    <p:cond delay="0"/>
+                                  </p:stCondLst>
+                                  <p:childTnLst>
+                                    <p:cmd type="call" cmd="playFrom(0.0)">
+                                      <p:cBhvr>
+                                        <p:cTn id="6" dur="1" fill="hold"/>
+                                        <p:tgtEl>
+                                          <p:spTgt spid="27"/>
+                                        </p:tgtEl>
+                                      </p:cBhvr>
+                                    </p:cmd>
+                                  </p:childTnLst>
+                                </p:cTn>
+                              </p:par>
+                            </p:childTnLst>
+                          </p:cTn>
+                        </p:par>
+                      </p:childTnLst>
+                    </p:cTn>
+                  </p:par>
+                </p:childTnLst>
+              </p:cTn>
+              <p:prevCondLst>
+                <p:cond evt="onPrev" delay="0">
+                  <p:tgtEl>
+                    <p:sldTgt/>
+                  </p:tgtEl>
+                </p:cond>
+              </p:prevCondLst>
+              <p:nextCondLst>
+                <p:cond evt="onNext" delay="0">
+                  <p:tgtEl>
+                    <p:sldTgt/>
+                  </p:tgtEl>
+                </p:cond>
+              </p:nextCondLst>
+            </p:seq>
+            <p:video>
+              <p:cMediaNode vol="80000">
+                <p:cTn id="7" fill="hold" display="0">
+                  <p:stCondLst>
+                    <p:cond delay="indefinite"/>
+                  </p:stCondLst>
+                </p:cTn>
+                <p:tgtEl>
+                  <p:spTgt spid="27"/>
+                </p:tgtEl>
+              </p:cMediaNode>
+            </p:video>
+            <p:seq concurrent="1" nextAc="seek">
+              <p:cTn id="8" restart="whenNotActive" fill="hold" evtFilter="cancelBubble" nodeType="interactiveSeq">
+                <p:stCondLst>
+                  <p:cond evt="onClick" delay="0">
+                    <p:tgtEl>
+                      <p:spTgt spid="27"/>
+                    </p:tgtEl>
+                  </p:cond>
+                </p:stCondLst>
+                <p:endSync evt="end" delay="0">
+                  <p:rtn val="all"/>
+                </p:endSync>
+                <p:childTnLst>
+                  <p:par>
+                    <p:cTn id="9" fill="hold">
+                      <p:stCondLst>
+                        <p:cond delay="0"/>
+                      </p:stCondLst>
+                      <p:childTnLst>
+                        <p:par>
+                          <p:cTn id="10" fill="hold">
+                            <p:stCondLst>
+                              <p:cond delay="0"/>
+                            </p:stCondLst>
+                            <p:childTnLst>
+                              <p:par>
+                                <p:cTn id="11" presetID="2" presetClass="mediacall" presetSubtype="0" fill="hold" nodeType="clickEffect">
+                                  <p:stCondLst>
+                                    <p:cond delay="0"/>
+                                  </p:stCondLst>
+                                  <p:childTnLst>
+                                    <p:cmd type="call" cmd="togglePause">
+                                      <p:cBhvr>
+                                        <p:cTn id="12" dur="1" fill="hold"/>
+                                        <p:tgtEl>
+                                          <p:spTgt spid="27"/>
+                                        </p:tgtEl>
+                                      </p:cBhvr>
+                                    </p:cmd>
+                                  </p:childTnLst>
+                                </p:cTn>
+                              </p:par>
+                            </p:childTnLst>
+                          </p:cTn>
+                        </p:par>
+                      </p:childTnLst>
+                    </p:cTn>
+                  </p:par>
+                </p:childTnLst>
+              </p:cTn>
+              <p:nextCondLst>
+                <p:cond evt="onClick" delay="0">
+                  <p:tgtEl>
+                    <p:spTgt spid="27"/>
+                  </p:tgtEl>
+                </p:cond>
+              </p:nextCondLst>
+            </p:seq>
+          </p:childTnLst>
+        </p:cTn>
+      </p:par>
+    </p:tnLst>
+  </p:timing>
 </p:sld>
 </file>
 
@@ -8539,12 +10621,7 @@
             <p:ph type="title"/>
           </p:nvPr>
         </p:nvSpPr>
-        <p:spPr>
-          <a:xfrm>
-            <a:off x="6729881" y="0"/>
-            <a:ext cx="10515600" cy="1505883"/>
-          </a:xfrm>
-        </p:spPr>
+        <p:spPr/>
         <p:txBody>
           <a:bodyPr anchor="ctr">
             <a:normAutofit/>
@@ -8559,8 +10636,61 @@
                 <a:latin typeface="Microsoft YaHei" panose="020B0503020204020204" pitchFamily="34" charset="-122"/>
                 <a:ea typeface="Microsoft YaHei" panose="020B0503020204020204" pitchFamily="34" charset="-122"/>
               </a:rPr>
-              <a:t>Target Audience</a:t>
-            </a:r>
+              <a:t>How To Use</a:t>
+            </a:r>
+          </a:p>
+        </p:txBody>
+      </p:sp>
+      <p:sp>
+        <p:nvSpPr>
+          <p:cNvPr id="2" name="Content Placeholder 1">
+            <a:extLst>
+              <a:ext uri="{FF2B5EF4-FFF2-40B4-BE49-F238E27FC236}">
+                <a16:creationId xmlns:a16="http://schemas.microsoft.com/office/drawing/2014/main" id="{48B14325-74E1-478D-EE2D-1908FB6C57EA}"/>
+              </a:ext>
+            </a:extLst>
+          </p:cNvPr>
+          <p:cNvSpPr>
+            <a:spLocks noGrp="1"/>
+          </p:cNvSpPr>
+          <p:nvPr>
+            <p:ph sz="half" idx="1"/>
+          </p:nvPr>
+        </p:nvSpPr>
+        <p:spPr/>
+        <p:txBody>
+          <a:bodyPr/>
+          <a:lstStyle/>
+          <a:p>
+            <a:r>
+              <a:rPr lang="en-US" sz="2000" dirty="0"/>
+              <a:t>Weekly Check-ins</a:t>
+            </a:r>
+          </a:p>
+          <a:p>
+            <a:r>
+              <a:rPr lang="en-US" sz="2000" dirty="0"/>
+              <a:t>Simulated Team Experiences</a:t>
+            </a:r>
+          </a:p>
+          <a:p>
+            <a:r>
+              <a:rPr lang="en-US" sz="2000" dirty="0"/>
+              <a:t>Bingo! Learning</a:t>
+            </a:r>
+          </a:p>
+          <a:p>
+            <a:r>
+              <a:rPr lang="en-US" sz="2000" dirty="0"/>
+              <a:t>Iterative Assignments</a:t>
+            </a:r>
+          </a:p>
+          <a:p>
+            <a:r>
+              <a:rPr lang="en-US" sz="2000" dirty="0"/>
+              <a:t>See a video</a:t>
+            </a:r>
+            <a:endParaRPr lang="en-US" dirty="0"/>
           </a:p>
         </p:txBody>
       </p:sp>
@@ -8687,9 +10817,9 @@
           </a:stretch>
         </p:blipFill>
         <p:spPr>
-          <a:xfrm rot="3392034">
-            <a:off x="933977" y="213023"/>
-            <a:ext cx="3633969" cy="3703320"/>
+          <a:xfrm rot="2386016">
+            <a:off x="9026905" y="168174"/>
+            <a:ext cx="3180589" cy="3241287"/>
           </a:xfrm>
           <a:prstGeom prst="rect">
             <a:avLst/>
@@ -8698,11 +10828,11 @@
       </p:pic>
       <p:sp>
         <p:nvSpPr>
-          <p:cNvPr id="2" name="Oval 1">
-            <a:hlinkClick r:id="rId5" action="ppaction://hlinksldjump"/>
-            <a:extLst>
-              <a:ext uri="{FF2B5EF4-FFF2-40B4-BE49-F238E27FC236}">
-                <a16:creationId xmlns:a16="http://schemas.microsoft.com/office/drawing/2014/main" id="{6D79C235-762B-BF09-60FD-D5AD44888218}"/>
+          <p:cNvPr id="18" name="Oval 17">
+            <a:hlinkClick r:id="rId3" action="ppaction://hlinksldjump"/>
+            <a:extLst>
+              <a:ext uri="{FF2B5EF4-FFF2-40B4-BE49-F238E27FC236}">
+                <a16:creationId xmlns:a16="http://schemas.microsoft.com/office/drawing/2014/main" id="{50772660-0BBE-7BE9-C36F-7ACA33C163EF}"/>
               </a:ext>
             </a:extLst>
           </p:cNvPr>
@@ -8711,19 +10841,15 @@
         </p:nvSpPr>
         <p:spPr>
           <a:xfrm>
-            <a:off x="2467991" y="2453000"/>
-            <a:ext cx="6057900" cy="3250907"/>
+            <a:off x="10315640" y="88360"/>
+            <a:ext cx="1088450" cy="887920"/>
           </a:xfrm>
           <a:prstGeom prst="ellipse">
             <a:avLst/>
           </a:prstGeom>
-          <a:solidFill>
-            <a:srgbClr val="FDAB00"/>
-          </a:solidFill>
-          <a:ln w="76200">
-            <a:solidFill>
-              <a:schemeClr val="tx1"/>
-            </a:solidFill>
+          <a:noFill/>
+          <a:ln>
+            <a:noFill/>
           </a:ln>
         </p:spPr>
         <p:style>
@@ -8747,24 +10873,17 @@
           <a:lstStyle/>
           <a:p>
             <a:pPr algn="ctr"/>
-            <a:r>
-              <a:rPr lang="en-US" sz="9600" dirty="0">
-                <a:solidFill>
-                  <a:schemeClr val="tx1"/>
-                </a:solidFill>
-              </a:rPr>
-              <a:t>YOU</a:t>
-            </a:r>
-          </a:p>
-        </p:txBody>
-      </p:sp>
-      <p:sp>
-        <p:nvSpPr>
-          <p:cNvPr id="4" name="Oval 3">
-            <a:hlinkClick r:id="rId3" action="ppaction://hlinksldjump"/>
-            <a:extLst>
-              <a:ext uri="{FF2B5EF4-FFF2-40B4-BE49-F238E27FC236}">
-                <a16:creationId xmlns:a16="http://schemas.microsoft.com/office/drawing/2014/main" id="{423271D4-4B49-6F59-FA3E-6F0F64BC4340}"/>
+            <a:endParaRPr lang="en-US" dirty="0"/>
+          </a:p>
+        </p:txBody>
+      </p:sp>
+      <p:sp>
+        <p:nvSpPr>
+          <p:cNvPr id="19" name="Oval 18">
+            <a:hlinkClick r:id="rId5" action="ppaction://hlinksldjump"/>
+            <a:extLst>
+              <a:ext uri="{FF2B5EF4-FFF2-40B4-BE49-F238E27FC236}">
+                <a16:creationId xmlns:a16="http://schemas.microsoft.com/office/drawing/2014/main" id="{5D378978-6440-0D1A-3A0E-6596990EAF62}"/>
               </a:ext>
             </a:extLst>
           </p:cNvPr>
@@ -8773,8 +10892,8 @@
         </p:nvSpPr>
         <p:spPr>
           <a:xfrm>
-            <a:off x="2854913" y="332814"/>
-            <a:ext cx="1239520" cy="1117600"/>
+            <a:off x="11165534" y="976280"/>
+            <a:ext cx="924866" cy="861486"/>
           </a:xfrm>
           <a:prstGeom prst="ellipse">
             <a:avLst/>
@@ -8805,17 +10924,17 @@
           <a:lstStyle/>
           <a:p>
             <a:pPr algn="ctr"/>
-            <a:endParaRPr lang="en-US"/>
-          </a:p>
-        </p:txBody>
-      </p:sp>
-      <p:sp>
-        <p:nvSpPr>
-          <p:cNvPr id="9" name="Oval 8">
+            <a:endParaRPr lang="en-US" dirty="0"/>
+          </a:p>
+        </p:txBody>
+      </p:sp>
+      <p:sp>
+        <p:nvSpPr>
+          <p:cNvPr id="20" name="Oval 19">
             <a:hlinkClick r:id="rId6" action="ppaction://hlinksldjump"/>
             <a:extLst>
               <a:ext uri="{FF2B5EF4-FFF2-40B4-BE49-F238E27FC236}">
-                <a16:creationId xmlns:a16="http://schemas.microsoft.com/office/drawing/2014/main" id="{519A45DD-CE43-B5C3-4FFF-9FFE99ED8CF0}"/>
+                <a16:creationId xmlns:a16="http://schemas.microsoft.com/office/drawing/2014/main" id="{F9EFDFE8-E536-4635-0317-DA32D36D1854}"/>
               </a:ext>
             </a:extLst>
           </p:cNvPr>
@@ -8824,8 +10943,8 @@
         </p:nvSpPr>
         <p:spPr>
           <a:xfrm>
-            <a:off x="3495040" y="1505883"/>
-            <a:ext cx="1239520" cy="1117600"/>
+            <a:off x="10990559" y="2426713"/>
+            <a:ext cx="805363" cy="761136"/>
           </a:xfrm>
           <a:prstGeom prst="ellipse">
             <a:avLst/>
@@ -8856,17 +10975,17 @@
           <a:lstStyle/>
           <a:p>
             <a:pPr algn="ctr"/>
-            <a:endParaRPr lang="en-US"/>
-          </a:p>
-        </p:txBody>
-      </p:sp>
-      <p:sp>
-        <p:nvSpPr>
-          <p:cNvPr id="10" name="Oval 9">
+            <a:endParaRPr lang="en-US" dirty="0"/>
+          </a:p>
+        </p:txBody>
+      </p:sp>
+      <p:sp>
+        <p:nvSpPr>
+          <p:cNvPr id="21" name="Oval 20">
             <a:hlinkClick r:id="rId7" action="ppaction://hlinksldjump"/>
             <a:extLst>
               <a:ext uri="{FF2B5EF4-FFF2-40B4-BE49-F238E27FC236}">
-                <a16:creationId xmlns:a16="http://schemas.microsoft.com/office/drawing/2014/main" id="{A65BC474-224A-83AB-1ED8-91E07D06C0B2}"/>
+                <a16:creationId xmlns:a16="http://schemas.microsoft.com/office/drawing/2014/main" id="{82451A66-03DD-8C40-CB42-ACC84CC4D4BA}"/>
               </a:ext>
             </a:extLst>
           </p:cNvPr>
@@ -8875,8 +10994,8 @@
         </p:nvSpPr>
         <p:spPr>
           <a:xfrm>
-            <a:off x="615522" y="1357858"/>
-            <a:ext cx="924277" cy="855643"/>
+            <a:off x="10120537" y="2667864"/>
+            <a:ext cx="805363" cy="761136"/>
           </a:xfrm>
           <a:prstGeom prst="ellipse">
             <a:avLst/>
@@ -8907,67 +11026,16 @@
           <a:lstStyle/>
           <a:p>
             <a:pPr algn="ctr"/>
-            <a:endParaRPr lang="en-US"/>
-          </a:p>
-        </p:txBody>
-      </p:sp>
-      <p:sp>
-        <p:nvSpPr>
-          <p:cNvPr id="11" name="Oval 10">
-            <a:hlinkClick r:id="rId8" action="ppaction://hlinksldjump"/>
-            <a:extLst>
-              <a:ext uri="{FF2B5EF4-FFF2-40B4-BE49-F238E27FC236}">
-                <a16:creationId xmlns:a16="http://schemas.microsoft.com/office/drawing/2014/main" id="{55BE4A2F-F56E-F1C6-9FFD-065C29109EBE}"/>
-              </a:ext>
-            </a:extLst>
-          </p:cNvPr>
-          <p:cNvSpPr/>
-          <p:nvPr/>
-        </p:nvSpPr>
-        <p:spPr>
-          <a:xfrm>
-            <a:off x="1813845" y="3052901"/>
-            <a:ext cx="937116" cy="867070"/>
-          </a:xfrm>
-          <a:prstGeom prst="ellipse">
-            <a:avLst/>
-          </a:prstGeom>
-          <a:noFill/>
-          <a:ln>
-            <a:noFill/>
-          </a:ln>
-        </p:spPr>
-        <p:style>
-          <a:lnRef idx="2">
-            <a:schemeClr val="accent1">
-              <a:shade val="50000"/>
-            </a:schemeClr>
-          </a:lnRef>
-          <a:fillRef idx="1">
-            <a:schemeClr val="accent1"/>
-          </a:fillRef>
-          <a:effectRef idx="0">
-            <a:schemeClr val="accent1"/>
-          </a:effectRef>
-          <a:fontRef idx="minor">
-            <a:schemeClr val="lt1"/>
-          </a:fontRef>
-        </p:style>
-        <p:txBody>
-          <a:bodyPr rtlCol="0" anchor="ctr"/>
-          <a:lstStyle/>
-          <a:p>
-            <a:pPr algn="ctr"/>
-            <a:endParaRPr lang="en-US"/>
-          </a:p>
-        </p:txBody>
-      </p:sp>
-      <p:sp>
-        <p:nvSpPr>
-          <p:cNvPr id="12" name="TextBox 11">
-            <a:extLst>
-              <a:ext uri="{FF2B5EF4-FFF2-40B4-BE49-F238E27FC236}">
-                <a16:creationId xmlns:a16="http://schemas.microsoft.com/office/drawing/2014/main" id="{72329BF8-E953-4ED6-E65F-90AE24EAA55F}"/>
+            <a:endParaRPr lang="en-US" dirty="0"/>
+          </a:p>
+        </p:txBody>
+      </p:sp>
+      <p:sp>
+        <p:nvSpPr>
+          <p:cNvPr id="22" name="TextBox 21">
+            <a:extLst>
+              <a:ext uri="{FF2B5EF4-FFF2-40B4-BE49-F238E27FC236}">
+                <a16:creationId xmlns:a16="http://schemas.microsoft.com/office/drawing/2014/main" id="{3831D527-7511-7CB6-B90C-15D707EFE93C}"/>
               </a:ext>
             </a:extLst>
           </p:cNvPr>
@@ -8976,8 +11044,8 @@
         </p:nvSpPr>
         <p:spPr>
           <a:xfrm>
-            <a:off x="2282402" y="2035866"/>
-            <a:ext cx="1100831" cy="461665"/>
+            <a:off x="10213499" y="1709073"/>
+            <a:ext cx="924867" cy="400110"/>
           </a:xfrm>
           <a:prstGeom prst="rect">
             <a:avLst/>
@@ -8991,7 +11059,7 @@
           <a:lstStyle/>
           <a:p>
             <a:r>
-              <a:rPr lang="en-US" sz="2400" dirty="0">
+              <a:rPr lang="en-US" sz="2000" dirty="0">
                 <a:solidFill>
                   <a:schemeClr val="bg1"/>
                 </a:solidFill>
@@ -9004,7 +11072,7 @@
     </p:spTree>
     <p:extLst>
       <p:ext uri="{BB962C8B-B14F-4D97-AF65-F5344CB8AC3E}">
-        <p14:creationId xmlns:p14="http://schemas.microsoft.com/office/powerpoint/2010/main" val="2733931835"/>
+        <p14:creationId xmlns:p14="http://schemas.microsoft.com/office/powerpoint/2010/main" val="2335591067"/>
       </p:ext>
     </p:extLst>
   </p:cSld>
@@ -9013,7 +11081,525 @@
   </p:clrMapOvr>
   <mc:AlternateContent xmlns:mc="http://schemas.openxmlformats.org/markup-compatibility/2006">
     <mc:Choice xmlns:p159="http://schemas.microsoft.com/office/powerpoint/2015/09/main" Requires="p159">
+      <p:transition xmlns:p14="http://schemas.microsoft.com/office/powerpoint/2010/main" spd="slow" p14:dur="2000">
+        <p159:morph option="byObject"/>
+      </p:transition>
+    </mc:Choice>
+    <mc:Fallback>
       <p:transition spd="slow">
+        <p:fade/>
+      </p:transition>
+    </mc:Fallback>
+  </mc:AlternateContent>
+</p:sld>
+</file>
+
+<file path=ppt/slides/slide9.xml><?xml version="1.0" encoding="utf-8"?>
+<p:sld xmlns:a="http://schemas.openxmlformats.org/drawingml/2006/main" xmlns:r="http://schemas.openxmlformats.org/officeDocument/2006/relationships" xmlns:p="http://schemas.openxmlformats.org/presentationml/2006/main">
+  <p:cSld>
+    <p:bg>
+      <p:bgPr>
+        <a:solidFill>
+          <a:schemeClr val="accent1">
+            <a:lumMod val="75000"/>
+          </a:schemeClr>
+        </a:solidFill>
+        <a:effectLst/>
+      </p:bgPr>
+    </p:bg>
+    <p:spTree>
+      <p:nvGrpSpPr>
+        <p:cNvPr id="1" name=""/>
+        <p:cNvGrpSpPr/>
+        <p:nvPr/>
+      </p:nvGrpSpPr>
+      <p:grpSpPr>
+        <a:xfrm>
+          <a:off x="0" y="0"/>
+          <a:ext cx="0" cy="0"/>
+          <a:chOff x="0" y="0"/>
+          <a:chExt cx="0" cy="0"/>
+        </a:xfrm>
+      </p:grpSpPr>
+      <p:sp>
+        <p:nvSpPr>
+          <p:cNvPr id="6" name="Title 5">
+            <a:extLst>
+              <a:ext uri="{FF2B5EF4-FFF2-40B4-BE49-F238E27FC236}">
+                <a16:creationId xmlns:a16="http://schemas.microsoft.com/office/drawing/2014/main" id="{F5A10964-9D56-B7C4-C9F9-71789FA3ACDF}"/>
+              </a:ext>
+            </a:extLst>
+          </p:cNvPr>
+          <p:cNvSpPr>
+            <a:spLocks noGrp="1"/>
+          </p:cNvSpPr>
+          <p:nvPr>
+            <p:ph type="title"/>
+          </p:nvPr>
+        </p:nvSpPr>
+        <p:spPr/>
+        <p:txBody>
+          <a:bodyPr anchor="ctr">
+            <a:normAutofit/>
+          </a:bodyPr>
+          <a:lstStyle/>
+          <a:p>
+            <a:r>
+              <a:rPr lang="en-US" sz="5200" dirty="0">
+                <a:solidFill>
+                  <a:schemeClr val="bg1"/>
+                </a:solidFill>
+                <a:latin typeface="Microsoft YaHei" panose="020B0503020204020204" pitchFamily="34" charset="-122"/>
+                <a:ea typeface="Microsoft YaHei" panose="020B0503020204020204" pitchFamily="34" charset="-122"/>
+              </a:rPr>
+              <a:t>How To Use</a:t>
+            </a:r>
+          </a:p>
+        </p:txBody>
+      </p:sp>
+      <p:sp>
+        <p:nvSpPr>
+          <p:cNvPr id="2" name="Content Placeholder 1">
+            <a:extLst>
+              <a:ext uri="{FF2B5EF4-FFF2-40B4-BE49-F238E27FC236}">
+                <a16:creationId xmlns:a16="http://schemas.microsoft.com/office/drawing/2014/main" id="{48B14325-74E1-478D-EE2D-1908FB6C57EA}"/>
+              </a:ext>
+            </a:extLst>
+          </p:cNvPr>
+          <p:cNvSpPr>
+            <a:spLocks noGrp="1"/>
+          </p:cNvSpPr>
+          <p:nvPr>
+            <p:ph sz="half" idx="1"/>
+          </p:nvPr>
+        </p:nvSpPr>
+        <p:spPr/>
+        <p:txBody>
+          <a:bodyPr/>
+          <a:lstStyle/>
+          <a:p>
+            <a:r>
+              <a:rPr lang="en-US" sz="2000" dirty="0"/>
+              <a:t>Weekly Check-ins</a:t>
+            </a:r>
+          </a:p>
+          <a:p>
+            <a:r>
+              <a:rPr lang="en-US" sz="2000" dirty="0"/>
+              <a:t>Simulated Team Experiences</a:t>
+            </a:r>
+          </a:p>
+          <a:p>
+            <a:r>
+              <a:rPr lang="en-US" sz="2000" dirty="0"/>
+              <a:t>Bingo! Learning</a:t>
+            </a:r>
+          </a:p>
+          <a:p>
+            <a:r>
+              <a:rPr lang="en-US" sz="2000" u="sng" dirty="0">
+                <a:solidFill>
+                  <a:srgbClr val="F5EC00"/>
+                </a:solidFill>
+              </a:rPr>
+              <a:t>Iterative Assignments</a:t>
+            </a:r>
+          </a:p>
+          <a:p>
+            <a:r>
+              <a:rPr lang="en-US" sz="2000" dirty="0"/>
+              <a:t>See a video</a:t>
+            </a:r>
+            <a:endParaRPr lang="en-US" dirty="0"/>
+          </a:p>
+        </p:txBody>
+      </p:sp>
+      <p:sp>
+        <p:nvSpPr>
+          <p:cNvPr id="3" name="Oval 2">
+            <a:hlinkClick r:id="rId2" action="ppaction://hlinksldjump"/>
+            <a:extLst>
+              <a:ext uri="{FF2B5EF4-FFF2-40B4-BE49-F238E27FC236}">
+                <a16:creationId xmlns:a16="http://schemas.microsoft.com/office/drawing/2014/main" id="{2C942AED-73B2-52E2-6B5A-B5D1F184BD0C}"/>
+              </a:ext>
+            </a:extLst>
+          </p:cNvPr>
+          <p:cNvSpPr/>
+          <p:nvPr/>
+        </p:nvSpPr>
+        <p:spPr>
+          <a:xfrm>
+            <a:off x="2200547" y="3862447"/>
+            <a:ext cx="1100831" cy="1083076"/>
+          </a:xfrm>
+          <a:prstGeom prst="ellipse">
+            <a:avLst/>
+          </a:prstGeom>
+          <a:noFill/>
+          <a:ln>
+            <a:noFill/>
+          </a:ln>
+        </p:spPr>
+        <p:style>
+          <a:lnRef idx="2">
+            <a:schemeClr val="accent1">
+              <a:shade val="50000"/>
+            </a:schemeClr>
+          </a:lnRef>
+          <a:fillRef idx="1">
+            <a:schemeClr val="accent1"/>
+          </a:fillRef>
+          <a:effectRef idx="0">
+            <a:schemeClr val="accent1"/>
+          </a:effectRef>
+          <a:fontRef idx="minor">
+            <a:schemeClr val="lt1"/>
+          </a:fontRef>
+        </p:style>
+        <p:txBody>
+          <a:bodyPr rtlCol="0" anchor="ctr"/>
+          <a:lstStyle/>
+          <a:p>
+            <a:pPr algn="ctr"/>
+            <a:endParaRPr lang="en-US"/>
+          </a:p>
+        </p:txBody>
+      </p:sp>
+      <p:pic>
+        <p:nvPicPr>
+          <p:cNvPr id="8" name="Picture 7" descr="A group of colorful circles on a black background&#10;&#10;Description automatically generated">
+            <a:extLst>
+              <a:ext uri="{FF2B5EF4-FFF2-40B4-BE49-F238E27FC236}">
+                <a16:creationId xmlns:a16="http://schemas.microsoft.com/office/drawing/2014/main" id="{58BC4062-96DD-BAAC-6008-A8657B1F5DB0}"/>
+              </a:ext>
+            </a:extLst>
+          </p:cNvPr>
+          <p:cNvPicPr>
+            <a:picLocks noChangeAspect="1"/>
+          </p:cNvPicPr>
+          <p:nvPr/>
+        </p:nvPicPr>
+        <p:blipFill>
+          <a:blip r:embed="rId3"/>
+          <a:stretch>
+            <a:fillRect/>
+          </a:stretch>
+        </p:blipFill>
+        <p:spPr>
+          <a:xfrm rot="2386016">
+            <a:off x="9026905" y="168174"/>
+            <a:ext cx="3180589" cy="3241287"/>
+          </a:xfrm>
+          <a:prstGeom prst="rect">
+            <a:avLst/>
+          </a:prstGeom>
+        </p:spPr>
+      </p:pic>
+      <p:sp>
+        <p:nvSpPr>
+          <p:cNvPr id="18" name="Oval 17">
+            <a:hlinkClick r:id="rId4" action="ppaction://hlinksldjump"/>
+            <a:extLst>
+              <a:ext uri="{FF2B5EF4-FFF2-40B4-BE49-F238E27FC236}">
+                <a16:creationId xmlns:a16="http://schemas.microsoft.com/office/drawing/2014/main" id="{50772660-0BBE-7BE9-C36F-7ACA33C163EF}"/>
+              </a:ext>
+            </a:extLst>
+          </p:cNvPr>
+          <p:cNvSpPr/>
+          <p:nvPr/>
+        </p:nvSpPr>
+        <p:spPr>
+          <a:xfrm>
+            <a:off x="10315640" y="88360"/>
+            <a:ext cx="1088450" cy="887920"/>
+          </a:xfrm>
+          <a:prstGeom prst="ellipse">
+            <a:avLst/>
+          </a:prstGeom>
+          <a:noFill/>
+          <a:ln>
+            <a:noFill/>
+          </a:ln>
+        </p:spPr>
+        <p:style>
+          <a:lnRef idx="2">
+            <a:schemeClr val="accent1">
+              <a:shade val="50000"/>
+            </a:schemeClr>
+          </a:lnRef>
+          <a:fillRef idx="1">
+            <a:schemeClr val="accent1"/>
+          </a:fillRef>
+          <a:effectRef idx="0">
+            <a:schemeClr val="accent1"/>
+          </a:effectRef>
+          <a:fontRef idx="minor">
+            <a:schemeClr val="lt1"/>
+          </a:fontRef>
+        </p:style>
+        <p:txBody>
+          <a:bodyPr rtlCol="0" anchor="ctr"/>
+          <a:lstStyle/>
+          <a:p>
+            <a:pPr algn="ctr"/>
+            <a:endParaRPr lang="en-US" dirty="0"/>
+          </a:p>
+        </p:txBody>
+      </p:sp>
+      <p:sp>
+        <p:nvSpPr>
+          <p:cNvPr id="19" name="Oval 18">
+            <a:hlinkClick r:id="rId5" action="ppaction://hlinksldjump"/>
+            <a:extLst>
+              <a:ext uri="{FF2B5EF4-FFF2-40B4-BE49-F238E27FC236}">
+                <a16:creationId xmlns:a16="http://schemas.microsoft.com/office/drawing/2014/main" id="{5D378978-6440-0D1A-3A0E-6596990EAF62}"/>
+              </a:ext>
+            </a:extLst>
+          </p:cNvPr>
+          <p:cNvSpPr/>
+          <p:nvPr/>
+        </p:nvSpPr>
+        <p:spPr>
+          <a:xfrm>
+            <a:off x="11165534" y="976280"/>
+            <a:ext cx="924866" cy="861486"/>
+          </a:xfrm>
+          <a:prstGeom prst="ellipse">
+            <a:avLst/>
+          </a:prstGeom>
+          <a:noFill/>
+          <a:ln>
+            <a:noFill/>
+          </a:ln>
+        </p:spPr>
+        <p:style>
+          <a:lnRef idx="2">
+            <a:schemeClr val="accent1">
+              <a:shade val="50000"/>
+            </a:schemeClr>
+          </a:lnRef>
+          <a:fillRef idx="1">
+            <a:schemeClr val="accent1"/>
+          </a:fillRef>
+          <a:effectRef idx="0">
+            <a:schemeClr val="accent1"/>
+          </a:effectRef>
+          <a:fontRef idx="minor">
+            <a:schemeClr val="lt1"/>
+          </a:fontRef>
+        </p:style>
+        <p:txBody>
+          <a:bodyPr rtlCol="0" anchor="ctr"/>
+          <a:lstStyle/>
+          <a:p>
+            <a:pPr algn="ctr"/>
+            <a:endParaRPr lang="en-US" dirty="0"/>
+          </a:p>
+        </p:txBody>
+      </p:sp>
+      <p:sp>
+        <p:nvSpPr>
+          <p:cNvPr id="20" name="Oval 19">
+            <a:hlinkClick r:id="rId6" action="ppaction://hlinksldjump"/>
+            <a:extLst>
+              <a:ext uri="{FF2B5EF4-FFF2-40B4-BE49-F238E27FC236}">
+                <a16:creationId xmlns:a16="http://schemas.microsoft.com/office/drawing/2014/main" id="{F9EFDFE8-E536-4635-0317-DA32D36D1854}"/>
+              </a:ext>
+            </a:extLst>
+          </p:cNvPr>
+          <p:cNvSpPr/>
+          <p:nvPr/>
+        </p:nvSpPr>
+        <p:spPr>
+          <a:xfrm>
+            <a:off x="10990559" y="2426713"/>
+            <a:ext cx="805363" cy="761136"/>
+          </a:xfrm>
+          <a:prstGeom prst="ellipse">
+            <a:avLst/>
+          </a:prstGeom>
+          <a:noFill/>
+          <a:ln>
+            <a:noFill/>
+          </a:ln>
+        </p:spPr>
+        <p:style>
+          <a:lnRef idx="2">
+            <a:schemeClr val="accent1">
+              <a:shade val="50000"/>
+            </a:schemeClr>
+          </a:lnRef>
+          <a:fillRef idx="1">
+            <a:schemeClr val="accent1"/>
+          </a:fillRef>
+          <a:effectRef idx="0">
+            <a:schemeClr val="accent1"/>
+          </a:effectRef>
+          <a:fontRef idx="minor">
+            <a:schemeClr val="lt1"/>
+          </a:fontRef>
+        </p:style>
+        <p:txBody>
+          <a:bodyPr rtlCol="0" anchor="ctr"/>
+          <a:lstStyle/>
+          <a:p>
+            <a:pPr algn="ctr"/>
+            <a:endParaRPr lang="en-US" dirty="0"/>
+          </a:p>
+        </p:txBody>
+      </p:sp>
+      <p:sp>
+        <p:nvSpPr>
+          <p:cNvPr id="21" name="Oval 20">
+            <a:hlinkClick r:id="rId7" action="ppaction://hlinksldjump"/>
+            <a:extLst>
+              <a:ext uri="{FF2B5EF4-FFF2-40B4-BE49-F238E27FC236}">
+                <a16:creationId xmlns:a16="http://schemas.microsoft.com/office/drawing/2014/main" id="{82451A66-03DD-8C40-CB42-ACC84CC4D4BA}"/>
+              </a:ext>
+            </a:extLst>
+          </p:cNvPr>
+          <p:cNvSpPr/>
+          <p:nvPr/>
+        </p:nvSpPr>
+        <p:spPr>
+          <a:xfrm>
+            <a:off x="10120537" y="2667864"/>
+            <a:ext cx="805363" cy="761136"/>
+          </a:xfrm>
+          <a:prstGeom prst="ellipse">
+            <a:avLst/>
+          </a:prstGeom>
+          <a:noFill/>
+          <a:ln>
+            <a:noFill/>
+          </a:ln>
+        </p:spPr>
+        <p:style>
+          <a:lnRef idx="2">
+            <a:schemeClr val="accent1">
+              <a:shade val="50000"/>
+            </a:schemeClr>
+          </a:lnRef>
+          <a:fillRef idx="1">
+            <a:schemeClr val="accent1"/>
+          </a:fillRef>
+          <a:effectRef idx="0">
+            <a:schemeClr val="accent1"/>
+          </a:effectRef>
+          <a:fontRef idx="minor">
+            <a:schemeClr val="lt1"/>
+          </a:fontRef>
+        </p:style>
+        <p:txBody>
+          <a:bodyPr rtlCol="0" anchor="ctr"/>
+          <a:lstStyle/>
+          <a:p>
+            <a:pPr algn="ctr"/>
+            <a:endParaRPr lang="en-US" dirty="0"/>
+          </a:p>
+        </p:txBody>
+      </p:sp>
+      <p:sp>
+        <p:nvSpPr>
+          <p:cNvPr id="22" name="TextBox 21">
+            <a:extLst>
+              <a:ext uri="{FF2B5EF4-FFF2-40B4-BE49-F238E27FC236}">
+                <a16:creationId xmlns:a16="http://schemas.microsoft.com/office/drawing/2014/main" id="{3831D527-7511-7CB6-B90C-15D707EFE93C}"/>
+              </a:ext>
+            </a:extLst>
+          </p:cNvPr>
+          <p:cNvSpPr txBox="1"/>
+          <p:nvPr/>
+        </p:nvSpPr>
+        <p:spPr>
+          <a:xfrm>
+            <a:off x="10213499" y="1709073"/>
+            <a:ext cx="924867" cy="400110"/>
+          </a:xfrm>
+          <a:prstGeom prst="rect">
+            <a:avLst/>
+          </a:prstGeom>
+          <a:noFill/>
+        </p:spPr>
+        <p:txBody>
+          <a:bodyPr wrap="square" rtlCol="0">
+            <a:spAutoFit/>
+          </a:bodyPr>
+          <a:lstStyle/>
+          <a:p>
+            <a:r>
+              <a:rPr lang="en-US" sz="2000" dirty="0">
+                <a:solidFill>
+                  <a:schemeClr val="bg1"/>
+                </a:solidFill>
+              </a:rPr>
+              <a:t>LOGIN</a:t>
+            </a:r>
+          </a:p>
+        </p:txBody>
+      </p:sp>
+      <p:sp>
+        <p:nvSpPr>
+          <p:cNvPr id="4" name="Explosion 2 3">
+            <a:extLst>
+              <a:ext uri="{FF2B5EF4-FFF2-40B4-BE49-F238E27FC236}">
+                <a16:creationId xmlns:a16="http://schemas.microsoft.com/office/drawing/2014/main" id="{43E1A7E0-7C26-7419-ED05-0D2D564ED2D4}"/>
+              </a:ext>
+            </a:extLst>
+          </p:cNvPr>
+          <p:cNvSpPr/>
+          <p:nvPr/>
+        </p:nvSpPr>
+        <p:spPr>
+          <a:xfrm>
+            <a:off x="6682154" y="2667864"/>
+            <a:ext cx="3531345" cy="2888874"/>
+          </a:xfrm>
+          <a:prstGeom prst="irregularSeal2">
+            <a:avLst/>
+          </a:prstGeom>
+        </p:spPr>
+        <p:style>
+          <a:lnRef idx="2">
+            <a:schemeClr val="accent1">
+              <a:shade val="50000"/>
+            </a:schemeClr>
+          </a:lnRef>
+          <a:fillRef idx="1">
+            <a:schemeClr val="accent1"/>
+          </a:fillRef>
+          <a:effectRef idx="0">
+            <a:schemeClr val="accent1"/>
+          </a:effectRef>
+          <a:fontRef idx="minor">
+            <a:schemeClr val="lt1"/>
+          </a:fontRef>
+        </p:style>
+        <p:txBody>
+          <a:bodyPr rtlCol="0" anchor="ctr"/>
+          <a:lstStyle/>
+          <a:p>
+            <a:pPr algn="ctr"/>
+            <a:r>
+              <a:rPr lang="en-US" dirty="0"/>
+              <a:t>Coming Soon!</a:t>
+            </a:r>
+          </a:p>
+        </p:txBody>
+      </p:sp>
+    </p:spTree>
+    <p:extLst>
+      <p:ext uri="{BB962C8B-B14F-4D97-AF65-F5344CB8AC3E}">
+        <p14:creationId xmlns:p14="http://schemas.microsoft.com/office/powerpoint/2010/main" val="848343688"/>
+      </p:ext>
+    </p:extLst>
+  </p:cSld>
+  <p:clrMapOvr>
+    <a:masterClrMapping/>
+  </p:clrMapOvr>
+  <mc:AlternateContent xmlns:mc="http://schemas.openxmlformats.org/markup-compatibility/2006">
+    <mc:Choice xmlns:p159="http://schemas.microsoft.com/office/powerpoint/2015/09/main" Requires="p159">
+      <p:transition xmlns:p14="http://schemas.microsoft.com/office/powerpoint/2010/main" spd="slow" p14:dur="2000">
         <p159:morph option="byObject"/>
       </p:transition>
     </mc:Choice>
